--- a/conf/分布式配置中心.pptx
+++ b/conf/分布式配置中心.pptx
@@ -6,6 +6,7 @@
   </p:sldMasterIdLst>
   <p:sldIdLst>
     <p:sldId id="256" r:id="rId2"/>
+    <p:sldId id="257" r:id="rId3"/>
   </p:sldIdLst>
   <p:sldSz cx="12192000" cy="6858000"/>
   <p:notesSz cx="6858000" cy="9144000"/>
@@ -104,6 +105,11 @@
       </a:defRPr>
     </a:lvl9pPr>
   </p:defaultTextStyle>
+  <p:extLst>
+    <p:ext uri="{EFAFB233-063F-42B5-8137-9DF3F51BA10A}">
+      <p15:sldGuideLst xmlns:p15="http://schemas.microsoft.com/office/powerpoint/2012/main"/>
+    </p:ext>
+  </p:extLst>
 </p:presentation>
 </file>
 
@@ -293,7 +299,7 @@
           <a:p>
             <a:fld id="{4AAD347D-5ACD-4C99-B74B-A9C85AD731AF}" type="datetimeFigureOut">
               <a:rPr lang="en-US" dirty="0"/>
-              <a:t>5/27/2020</a:t>
+              <a:t>5/29/2020</a:t>
             </a:fld>
             <a:endParaRPr lang="en-US" dirty="0"/>
           </a:p>
@@ -563,7 +569,7 @@
           <a:p>
             <a:fld id="{4509A250-FF31-4206-8172-F9D3106AACB1}" type="datetimeFigureOut">
               <a:rPr lang="en-US" dirty="0"/>
-              <a:t>5/27/2020</a:t>
+              <a:t>5/29/2020</a:t>
             </a:fld>
             <a:endParaRPr lang="en-US" dirty="0"/>
           </a:p>
@@ -752,7 +758,7 @@
           <a:p>
             <a:fld id="{4509A250-FF31-4206-8172-F9D3106AACB1}" type="datetimeFigureOut">
               <a:rPr lang="en-US" dirty="0"/>
-              <a:t>5/27/2020</a:t>
+              <a:t>5/29/2020</a:t>
             </a:fld>
             <a:endParaRPr lang="en-US" dirty="0"/>
           </a:p>
@@ -1020,7 +1026,7 @@
           <a:p>
             <a:fld id="{4509A250-FF31-4206-8172-F9D3106AACB1}" type="datetimeFigureOut">
               <a:rPr lang="en-US" dirty="0"/>
-              <a:t>5/27/2020</a:t>
+              <a:t>5/29/2020</a:t>
             </a:fld>
             <a:endParaRPr lang="en-US" dirty="0"/>
           </a:p>
@@ -1356,7 +1362,7 @@
           <a:p>
             <a:fld id="{4509A250-FF31-4206-8172-F9D3106AACB1}" type="datetimeFigureOut">
               <a:rPr lang="en-US" dirty="0"/>
-              <a:t>5/27/2020</a:t>
+              <a:t>5/29/2020</a:t>
             </a:fld>
             <a:endParaRPr lang="en-US" dirty="0"/>
           </a:p>
@@ -1974,7 +1980,7 @@
           <a:p>
             <a:fld id="{4509A250-FF31-4206-8172-F9D3106AACB1}" type="datetimeFigureOut">
               <a:rPr lang="en-US" dirty="0"/>
-              <a:t>5/27/2020</a:t>
+              <a:t>5/29/2020</a:t>
             </a:fld>
             <a:endParaRPr lang="en-US" dirty="0"/>
           </a:p>
@@ -2829,7 +2835,7 @@
           <a:p>
             <a:fld id="{4509A250-FF31-4206-8172-F9D3106AACB1}" type="datetimeFigureOut">
               <a:rPr lang="en-US" dirty="0"/>
-              <a:t>5/27/2020</a:t>
+              <a:t>5/29/2020</a:t>
             </a:fld>
             <a:endParaRPr lang="en-US" dirty="0"/>
           </a:p>
@@ -2994,7 +3000,7 @@
           <a:p>
             <a:fld id="{4509A250-FF31-4206-8172-F9D3106AACB1}" type="datetimeFigureOut">
               <a:rPr lang="en-US" dirty="0"/>
-              <a:t>5/27/2020</a:t>
+              <a:t>5/29/2020</a:t>
             </a:fld>
             <a:endParaRPr lang="en-US" dirty="0"/>
           </a:p>
@@ -3169,7 +3175,7 @@
           <a:p>
             <a:fld id="{4509A250-FF31-4206-8172-F9D3106AACB1}" type="datetimeFigureOut">
               <a:rPr lang="en-US" dirty="0"/>
-              <a:t>5/27/2020</a:t>
+              <a:t>5/29/2020</a:t>
             </a:fld>
             <a:endParaRPr lang="en-US" dirty="0"/>
           </a:p>
@@ -3334,7 +3340,7 @@
           <a:p>
             <a:fld id="{4509A250-FF31-4206-8172-F9D3106AACB1}" type="datetimeFigureOut">
               <a:rPr lang="en-US" dirty="0"/>
-              <a:t>5/27/2020</a:t>
+              <a:t>5/29/2020</a:t>
             </a:fld>
             <a:endParaRPr lang="en-US" dirty="0"/>
           </a:p>
@@ -3576,7 +3582,7 @@
           <a:p>
             <a:fld id="{9796027F-7875-4030-9381-8BD8C4F21935}" type="datetimeFigureOut">
               <a:rPr lang="en-US" dirty="0"/>
-              <a:t>5/27/2020</a:t>
+              <a:t>5/29/2020</a:t>
             </a:fld>
             <a:endParaRPr lang="en-US" dirty="0"/>
           </a:p>
@@ -3863,7 +3869,7 @@
           <a:p>
             <a:fld id="{9796027F-7875-4030-9381-8BD8C4F21935}" type="datetimeFigureOut">
               <a:rPr lang="en-US" dirty="0"/>
-              <a:t>5/27/2020</a:t>
+              <a:t>5/29/2020</a:t>
             </a:fld>
             <a:endParaRPr lang="en-US" dirty="0"/>
           </a:p>
@@ -4302,7 +4308,7 @@
           <a:p>
             <a:fld id="{9796027F-7875-4030-9381-8BD8C4F21935}" type="datetimeFigureOut">
               <a:rPr lang="en-US" dirty="0"/>
-              <a:t>5/27/2020</a:t>
+              <a:t>5/29/2020</a:t>
             </a:fld>
             <a:endParaRPr lang="en-US" dirty="0"/>
           </a:p>
@@ -4415,7 +4421,7 @@
           <a:p>
             <a:fld id="{4509A250-FF31-4206-8172-F9D3106AACB1}" type="datetimeFigureOut">
               <a:rPr lang="en-US" dirty="0"/>
-              <a:t>5/27/2020</a:t>
+              <a:t>5/29/2020</a:t>
             </a:fld>
             <a:endParaRPr lang="en-US" dirty="0"/>
           </a:p>
@@ -4505,7 +4511,7 @@
           <a:p>
             <a:fld id="{4509A250-FF31-4206-8172-F9D3106AACB1}" type="datetimeFigureOut">
               <a:rPr lang="en-US" dirty="0"/>
-              <a:t>5/27/2020</a:t>
+              <a:t>5/29/2020</a:t>
             </a:fld>
             <a:endParaRPr lang="en-US" dirty="0"/>
           </a:p>
@@ -4779,7 +4785,7 @@
           <a:p>
             <a:fld id="{4509A250-FF31-4206-8172-F9D3106AACB1}" type="datetimeFigureOut">
               <a:rPr lang="en-US" dirty="0"/>
-              <a:t>5/27/2020</a:t>
+              <a:t>5/29/2020</a:t>
             </a:fld>
             <a:endParaRPr lang="en-US" dirty="0"/>
           </a:p>
@@ -5049,7 +5055,7 @@
           <a:p>
             <a:fld id="{4509A250-FF31-4206-8172-F9D3106AACB1}" type="datetimeFigureOut">
               <a:rPr lang="en-US" dirty="0"/>
-              <a:t>5/27/2020</a:t>
+              <a:t>5/29/2020</a:t>
             </a:fld>
             <a:endParaRPr lang="en-US" dirty="0"/>
           </a:p>
@@ -5473,7 +5479,7 @@
           <a:p>
             <a:fld id="{4AAD347D-5ACD-4C99-B74B-A9C85AD731AF}" type="datetimeFigureOut">
               <a:rPr lang="en-US" dirty="0"/>
-              <a:t>5/27/2020</a:t>
+              <a:t>5/29/2020</a:t>
             </a:fld>
             <a:endParaRPr lang="en-US" dirty="0"/>
           </a:p>
@@ -6018,7 +6024,10 @@
           <a:bodyPr/>
           <a:lstStyle/>
           <a:p>
-            <a:endParaRPr lang="zh-CN" altLang="en-US"/>
+            <a:r>
+              <a:rPr lang="zh-CN" altLang="en-US" dirty="0"/>
+              <a:t>分布式配置中心</a:t>
+            </a:r>
           </a:p>
         </p:txBody>
       </p:sp>
@@ -6051,6 +6060,110 @@
     <p:extLst>
       <p:ext uri="{BB962C8B-B14F-4D97-AF65-F5344CB8AC3E}">
         <p14:creationId xmlns:p14="http://schemas.microsoft.com/office/powerpoint/2010/main" val="2370351520"/>
+      </p:ext>
+    </p:extLst>
+  </p:cSld>
+  <p:clrMapOvr>
+    <a:masterClrMapping/>
+  </p:clrMapOvr>
+</p:sld>
+</file>
+
+<file path=ppt/slides/slide2.xml><?xml version="1.0" encoding="utf-8"?>
+<p:sld xmlns:a="http://schemas.openxmlformats.org/drawingml/2006/main" xmlns:r="http://schemas.openxmlformats.org/officeDocument/2006/relationships" xmlns:p="http://schemas.openxmlformats.org/presentationml/2006/main">
+  <p:cSld>
+    <p:spTree>
+      <p:nvGrpSpPr>
+        <p:cNvPr id="1" name=""/>
+        <p:cNvGrpSpPr/>
+        <p:nvPr/>
+      </p:nvGrpSpPr>
+      <p:grpSpPr>
+        <a:xfrm>
+          <a:off x="0" y="0"/>
+          <a:ext cx="0" cy="0"/>
+          <a:chOff x="0" y="0"/>
+          <a:chExt cx="0" cy="0"/>
+        </a:xfrm>
+      </p:grpSpPr>
+      <p:sp>
+        <p:nvSpPr>
+          <p:cNvPr id="2" name="标题 1">
+            <a:extLst>
+              <a:ext uri="{FF2B5EF4-FFF2-40B4-BE49-F238E27FC236}">
+                <a16:creationId xmlns:a16="http://schemas.microsoft.com/office/drawing/2014/main" id="{34CE2CAE-4A76-4C1C-9FAC-265BBDDF49AA}"/>
+              </a:ext>
+            </a:extLst>
+          </p:cNvPr>
+          <p:cNvSpPr>
+            <a:spLocks noGrp="1"/>
+          </p:cNvSpPr>
+          <p:nvPr>
+            <p:ph type="title"/>
+          </p:nvPr>
+        </p:nvSpPr>
+        <p:spPr/>
+        <p:txBody>
+          <a:bodyPr/>
+          <a:lstStyle/>
+          <a:p>
+            <a:r>
+              <a:rPr lang="zh-CN" altLang="en-US" dirty="0"/>
+              <a:t>配置中心需要解决的问题</a:t>
+            </a:r>
+          </a:p>
+        </p:txBody>
+      </p:sp>
+      <p:sp>
+        <p:nvSpPr>
+          <p:cNvPr id="3" name="内容占位符 2">
+            <a:extLst>
+              <a:ext uri="{FF2B5EF4-FFF2-40B4-BE49-F238E27FC236}">
+                <a16:creationId xmlns:a16="http://schemas.microsoft.com/office/drawing/2014/main" id="{12E7947E-73EF-4BFD-9FE7-6C81CB489C5E}"/>
+              </a:ext>
+            </a:extLst>
+          </p:cNvPr>
+          <p:cNvSpPr>
+            <a:spLocks noGrp="1"/>
+          </p:cNvSpPr>
+          <p:nvPr>
+            <p:ph idx="1"/>
+          </p:nvPr>
+        </p:nvSpPr>
+        <p:spPr/>
+        <p:txBody>
+          <a:bodyPr/>
+          <a:lstStyle/>
+          <a:p>
+            <a:r>
+              <a:rPr lang="zh-CN" altLang="en-US" dirty="0"/>
+              <a:t>应用代码与配置信息耦合，更改配置信息就需要重新打包应用。</a:t>
+            </a:r>
+          </a:p>
+          <a:p>
+            <a:r>
+              <a:rPr lang="zh-CN" altLang="en-US" dirty="0"/>
+              <a:t>各应用配置信息分散，管理维护成本高。</a:t>
+            </a:r>
+          </a:p>
+          <a:p>
+            <a:r>
+              <a:rPr lang="zh-CN" altLang="en-US" dirty="0"/>
+              <a:t>修改配置信息时，应用无法动态更新配置信息。</a:t>
+            </a:r>
+          </a:p>
+          <a:p>
+            <a:r>
+              <a:rPr lang="zh-CN" altLang="en-US" dirty="0"/>
+              <a:t>应用集群部署时，各节点不能及时同步。</a:t>
+            </a:r>
+          </a:p>
+        </p:txBody>
+      </p:sp>
+    </p:spTree>
+    <p:extLst>
+      <p:ext uri="{BB962C8B-B14F-4D97-AF65-F5344CB8AC3E}">
+        <p14:creationId xmlns:p14="http://schemas.microsoft.com/office/powerpoint/2010/main" val="2425233781"/>
       </p:ext>
     </p:extLst>
   </p:cSld>

--- a/conf/分布式配置中心.pptx
+++ b/conf/分布式配置中心.pptx
@@ -4,9 +4,28 @@
   <p:sldMasterIdLst>
     <p:sldMasterId id="2147483648" r:id="rId1"/>
   </p:sldMasterIdLst>
+  <p:notesMasterIdLst>
+    <p:notesMasterId r:id="rId18"/>
+  </p:notesMasterIdLst>
+  <p:handoutMasterIdLst>
+    <p:handoutMasterId r:id="rId19"/>
+  </p:handoutMasterIdLst>
   <p:sldIdLst>
-    <p:sldId id="256" r:id="rId2"/>
-    <p:sldId id="257" r:id="rId3"/>
+    <p:sldId id="256" r:id="rId3"/>
+    <p:sldId id="257" r:id="rId4"/>
+    <p:sldId id="258" r:id="rId5"/>
+    <p:sldId id="259" r:id="rId6"/>
+    <p:sldId id="260" r:id="rId7"/>
+    <p:sldId id="261" r:id="rId8"/>
+    <p:sldId id="262" r:id="rId9"/>
+    <p:sldId id="263" r:id="rId10"/>
+    <p:sldId id="264" r:id="rId11"/>
+    <p:sldId id="265" r:id="rId12"/>
+    <p:sldId id="266" r:id="rId13"/>
+    <p:sldId id="267" r:id="rId14"/>
+    <p:sldId id="268" r:id="rId15"/>
+    <p:sldId id="269" r:id="rId16"/>
+    <p:sldId id="270" r:id="rId17"/>
   </p:sldIdLst>
   <p:sldSz cx="12192000" cy="6858000"/>
   <p:notesSz cx="6858000" cy="9144000"/>
@@ -105,12 +124,512 @@
       </a:defRPr>
     </a:lvl9pPr>
   </p:defaultTextStyle>
-  <p:extLst>
-    <p:ext uri="{EFAFB233-063F-42B5-8137-9DF3F51BA10A}">
-      <p15:sldGuideLst xmlns:p15="http://schemas.microsoft.com/office/powerpoint/2012/main"/>
-    </p:ext>
-  </p:extLst>
 </p:presentation>
+</file>
+
+<file path=ppt/handoutMasters/handoutMaster1.xml><?xml version="1.0" encoding="utf-8"?>
+<p:handoutMaster xmlns:a="http://schemas.openxmlformats.org/drawingml/2006/main" xmlns:r="http://schemas.openxmlformats.org/officeDocument/2006/relationships" xmlns:p="http://schemas.openxmlformats.org/presentationml/2006/main">
+  <p:cSld>
+    <p:bg>
+      <p:bgRef idx="1001">
+        <a:schemeClr val="bg1"/>
+      </p:bgRef>
+    </p:bg>
+    <p:spTree>
+      <p:nvGrpSpPr>
+        <p:cNvPr id="1" name=""/>
+        <p:cNvGrpSpPr/>
+        <p:nvPr/>
+      </p:nvGrpSpPr>
+      <p:grpSpPr>
+        <a:xfrm>
+          <a:off x="0" y="0"/>
+          <a:ext cx="0" cy="0"/>
+          <a:chOff x="0" y="0"/>
+          <a:chExt cx="0" cy="0"/>
+        </a:xfrm>
+      </p:grpSpPr>
+      <p:sp>
+        <p:nvSpPr>
+          <p:cNvPr id="2" name="页眉占位符 1"/>
+          <p:cNvSpPr>
+            <a:spLocks noGrp="1"/>
+          </p:cNvSpPr>
+          <p:nvPr>
+            <p:ph type="hdr" sz="quarter"/>
+          </p:nvPr>
+        </p:nvSpPr>
+        <p:spPr>
+          <a:xfrm>
+            <a:off x="0" y="0"/>
+            <a:ext cx="2971800" cy="458788"/>
+          </a:xfrm>
+          <a:prstGeom prst="rect">
+            <a:avLst/>
+          </a:prstGeom>
+        </p:spPr>
+        <p:txBody>
+          <a:bodyPr vert="horz" lIns="91440" tIns="45720" rIns="91440" bIns="45720" rtlCol="0"/>
+          <a:lstStyle>
+            <a:lvl1pPr algn="l">
+              <a:defRPr sz="1200"/>
+            </a:lvl1pPr>
+          </a:lstStyle>
+          <a:p>
+            <a:endParaRPr lang="zh-CN" altLang="en-US"/>
+          </a:p>
+        </p:txBody>
+      </p:sp>
+      <p:sp>
+        <p:nvSpPr>
+          <p:cNvPr id="3" name="日期占位符 2"/>
+          <p:cNvSpPr>
+            <a:spLocks noGrp="1"/>
+          </p:cNvSpPr>
+          <p:nvPr>
+            <p:ph type="dt" sz="quarter" idx="1"/>
+          </p:nvPr>
+        </p:nvSpPr>
+        <p:spPr>
+          <a:xfrm>
+            <a:off x="3884613" y="0"/>
+            <a:ext cx="2971800" cy="458788"/>
+          </a:xfrm>
+          <a:prstGeom prst="rect">
+            <a:avLst/>
+          </a:prstGeom>
+        </p:spPr>
+        <p:txBody>
+          <a:bodyPr vert="horz" lIns="91440" tIns="45720" rIns="91440" bIns="45720" rtlCol="0"/>
+          <a:lstStyle>
+            <a:lvl1pPr algn="r">
+              <a:defRPr sz="1200"/>
+            </a:lvl1pPr>
+          </a:lstStyle>
+          <a:p>
+            <a:fld id="{0F9B84EA-7D68-4D60-9CB1-D50884785D1C}" type="datetimeFigureOut">
+              <a:rPr lang="zh-CN" altLang="en-US" smtClean="0"/>
+            </a:fld>
+            <a:endParaRPr lang="zh-CN" altLang="en-US"/>
+          </a:p>
+        </p:txBody>
+      </p:sp>
+      <p:sp>
+        <p:nvSpPr>
+          <p:cNvPr id="4" name="页脚占位符 3"/>
+          <p:cNvSpPr>
+            <a:spLocks noGrp="1"/>
+          </p:cNvSpPr>
+          <p:nvPr>
+            <p:ph type="ftr" sz="quarter" idx="2"/>
+          </p:nvPr>
+        </p:nvSpPr>
+        <p:spPr>
+          <a:xfrm>
+            <a:off x="0" y="8685213"/>
+            <a:ext cx="2971800" cy="458787"/>
+          </a:xfrm>
+          <a:prstGeom prst="rect">
+            <a:avLst/>
+          </a:prstGeom>
+        </p:spPr>
+        <p:txBody>
+          <a:bodyPr vert="horz" lIns="91440" tIns="45720" rIns="91440" bIns="45720" rtlCol="0" anchor="b"/>
+          <a:lstStyle>
+            <a:lvl1pPr algn="l">
+              <a:defRPr sz="1200"/>
+            </a:lvl1pPr>
+          </a:lstStyle>
+          <a:p>
+            <a:endParaRPr lang="zh-CN" altLang="en-US"/>
+          </a:p>
+        </p:txBody>
+      </p:sp>
+      <p:sp>
+        <p:nvSpPr>
+          <p:cNvPr id="5" name="灯片编号占位符 4"/>
+          <p:cNvSpPr>
+            <a:spLocks noGrp="1"/>
+          </p:cNvSpPr>
+          <p:nvPr>
+            <p:ph type="sldNum" sz="quarter" idx="3"/>
+          </p:nvPr>
+        </p:nvSpPr>
+        <p:spPr>
+          <a:xfrm>
+            <a:off x="3884613" y="8685213"/>
+            <a:ext cx="2971800" cy="458787"/>
+          </a:xfrm>
+          <a:prstGeom prst="rect">
+            <a:avLst/>
+          </a:prstGeom>
+        </p:spPr>
+        <p:txBody>
+          <a:bodyPr vert="horz" lIns="91440" tIns="45720" rIns="91440" bIns="45720" rtlCol="0" anchor="b"/>
+          <a:lstStyle>
+            <a:lvl1pPr algn="r">
+              <a:defRPr sz="1200"/>
+            </a:lvl1pPr>
+          </a:lstStyle>
+          <a:p>
+            <a:fld id="{8D4E0FC9-F1F8-4FAE-9988-3BA365CFD46F}" type="slidenum">
+              <a:rPr lang="zh-CN" altLang="en-US" smtClean="0"/>
+            </a:fld>
+            <a:endParaRPr lang="zh-CN" altLang="en-US"/>
+          </a:p>
+        </p:txBody>
+      </p:sp>
+    </p:spTree>
+  </p:cSld>
+  <p:clrMap bg1="lt1" tx1="dk1" bg2="lt2" tx2="dk2" accent1="accent1" accent2="accent2" accent3="accent3" accent4="accent4" accent5="accent5" accent6="accent6" hlink="hlink" folHlink="folHlink"/>
+</p:handoutMaster>
+</file>
+
+<file path=ppt/notesMasters/notesMaster1.xml><?xml version="1.0" encoding="utf-8"?>
+<p:notesMaster xmlns:a="http://schemas.openxmlformats.org/drawingml/2006/main" xmlns:r="http://schemas.openxmlformats.org/officeDocument/2006/relationships" xmlns:p="http://schemas.openxmlformats.org/presentationml/2006/main">
+  <p:cSld>
+    <p:bg>
+      <p:bgRef idx="1001">
+        <a:schemeClr val="bg1"/>
+      </p:bgRef>
+    </p:bg>
+    <p:spTree>
+      <p:nvGrpSpPr>
+        <p:cNvPr id="1" name=""/>
+        <p:cNvGrpSpPr/>
+        <p:nvPr/>
+      </p:nvGrpSpPr>
+      <p:grpSpPr>
+        <a:xfrm>
+          <a:off x="0" y="0"/>
+          <a:ext cx="0" cy="0"/>
+          <a:chOff x="0" y="0"/>
+          <a:chExt cx="0" cy="0"/>
+        </a:xfrm>
+      </p:grpSpPr>
+      <p:sp>
+        <p:nvSpPr>
+          <p:cNvPr id="2" name="页眉占位符 1"/>
+          <p:cNvSpPr>
+            <a:spLocks noGrp="1"/>
+          </p:cNvSpPr>
+          <p:nvPr>
+            <p:ph type="hdr" sz="quarter"/>
+          </p:nvPr>
+        </p:nvSpPr>
+        <p:spPr>
+          <a:xfrm>
+            <a:off x="0" y="0"/>
+            <a:ext cx="2971800" cy="458788"/>
+          </a:xfrm>
+          <a:prstGeom prst="rect">
+            <a:avLst/>
+          </a:prstGeom>
+        </p:spPr>
+        <p:txBody>
+          <a:bodyPr vert="horz" lIns="91440" tIns="45720" rIns="91440" bIns="45720" rtlCol="0"/>
+          <a:lstStyle>
+            <a:lvl1pPr algn="l">
+              <a:defRPr sz="1200"/>
+            </a:lvl1pPr>
+          </a:lstStyle>
+          <a:p>
+            <a:endParaRPr lang="zh-CN" altLang="en-US"/>
+          </a:p>
+        </p:txBody>
+      </p:sp>
+      <p:sp>
+        <p:nvSpPr>
+          <p:cNvPr id="3" name="日期占位符 2"/>
+          <p:cNvSpPr>
+            <a:spLocks noGrp="1"/>
+          </p:cNvSpPr>
+          <p:nvPr>
+            <p:ph type="dt" idx="1"/>
+          </p:nvPr>
+        </p:nvSpPr>
+        <p:spPr>
+          <a:xfrm>
+            <a:off x="3884613" y="0"/>
+            <a:ext cx="2971800" cy="458788"/>
+          </a:xfrm>
+          <a:prstGeom prst="rect">
+            <a:avLst/>
+          </a:prstGeom>
+        </p:spPr>
+        <p:txBody>
+          <a:bodyPr vert="horz" lIns="91440" tIns="45720" rIns="91440" bIns="45720" rtlCol="0"/>
+          <a:lstStyle>
+            <a:lvl1pPr algn="r">
+              <a:defRPr sz="1200"/>
+            </a:lvl1pPr>
+          </a:lstStyle>
+          <a:p>
+            <a:fld id="{D2A48B96-639E-45A3-A0BA-2464DFDB1FAA}" type="datetimeFigureOut">
+              <a:rPr lang="zh-CN" altLang="en-US" smtClean="0"/>
+            </a:fld>
+            <a:endParaRPr lang="zh-CN" altLang="en-US"/>
+          </a:p>
+        </p:txBody>
+      </p:sp>
+      <p:sp>
+        <p:nvSpPr>
+          <p:cNvPr id="4" name="幻灯片图像占位符 3"/>
+          <p:cNvSpPr>
+            <a:spLocks noGrp="1" noRot="1" noChangeAspect="1"/>
+          </p:cNvSpPr>
+          <p:nvPr>
+            <p:ph type="sldImg" idx="2"/>
+          </p:nvPr>
+        </p:nvSpPr>
+        <p:spPr>
+          <a:xfrm>
+            <a:off x="685800" y="1143000"/>
+            <a:ext cx="5486400" cy="3086100"/>
+          </a:xfrm>
+          <a:prstGeom prst="rect">
+            <a:avLst/>
+          </a:prstGeom>
+          <a:noFill/>
+          <a:ln w="12700">
+            <a:solidFill>
+              <a:prstClr val="black"/>
+            </a:solidFill>
+          </a:ln>
+        </p:spPr>
+        <p:txBody>
+          <a:bodyPr vert="horz" lIns="91440" tIns="45720" rIns="91440" bIns="45720" rtlCol="0" anchor="ctr"/>
+          <a:lstStyle/>
+          <a:p>
+            <a:endParaRPr lang="zh-CN" altLang="en-US"/>
+          </a:p>
+        </p:txBody>
+      </p:sp>
+      <p:sp>
+        <p:nvSpPr>
+          <p:cNvPr id="5" name="备注占位符 4"/>
+          <p:cNvSpPr>
+            <a:spLocks noGrp="1"/>
+          </p:cNvSpPr>
+          <p:nvPr>
+            <p:ph type="body" sz="quarter" idx="3"/>
+          </p:nvPr>
+        </p:nvSpPr>
+        <p:spPr>
+          <a:xfrm>
+            <a:off x="685800" y="4400550"/>
+            <a:ext cx="5486400" cy="3600450"/>
+          </a:xfrm>
+          <a:prstGeom prst="rect">
+            <a:avLst/>
+          </a:prstGeom>
+        </p:spPr>
+        <p:txBody>
+          <a:bodyPr vert="horz" lIns="91440" tIns="45720" rIns="91440" bIns="45720" rtlCol="0"/>
+          <a:lstStyle/>
+          <a:p>
+            <a:pPr lvl="0"/>
+            <a:r>
+              <a:rPr lang="zh-CN" altLang="en-US" smtClean="0"/>
+              <a:t>单击此处编辑母版文本样式</a:t>
+            </a:r>
+            <a:endParaRPr lang="zh-CN" altLang="en-US" smtClean="0"/>
+          </a:p>
+          <a:p>
+            <a:pPr lvl="1"/>
+            <a:r>
+              <a:rPr lang="zh-CN" altLang="en-US" smtClean="0"/>
+              <a:t>第二级</a:t>
+            </a:r>
+            <a:endParaRPr lang="zh-CN" altLang="en-US" smtClean="0"/>
+          </a:p>
+          <a:p>
+            <a:pPr lvl="2"/>
+            <a:r>
+              <a:rPr lang="zh-CN" altLang="en-US" smtClean="0"/>
+              <a:t>第三级</a:t>
+            </a:r>
+            <a:endParaRPr lang="zh-CN" altLang="en-US" smtClean="0"/>
+          </a:p>
+          <a:p>
+            <a:pPr lvl="3"/>
+            <a:r>
+              <a:rPr lang="zh-CN" altLang="en-US" smtClean="0"/>
+              <a:t>第四级</a:t>
+            </a:r>
+            <a:endParaRPr lang="zh-CN" altLang="en-US" smtClean="0"/>
+          </a:p>
+          <a:p>
+            <a:pPr lvl="4"/>
+            <a:r>
+              <a:rPr lang="zh-CN" altLang="en-US" smtClean="0"/>
+              <a:t>第五级</a:t>
+            </a:r>
+            <a:endParaRPr lang="zh-CN" altLang="en-US"/>
+          </a:p>
+        </p:txBody>
+      </p:sp>
+      <p:sp>
+        <p:nvSpPr>
+          <p:cNvPr id="6" name="页脚占位符 5"/>
+          <p:cNvSpPr>
+            <a:spLocks noGrp="1"/>
+          </p:cNvSpPr>
+          <p:nvPr>
+            <p:ph type="ftr" sz="quarter" idx="4"/>
+          </p:nvPr>
+        </p:nvSpPr>
+        <p:spPr>
+          <a:xfrm>
+            <a:off x="0" y="8685213"/>
+            <a:ext cx="2971800" cy="458787"/>
+          </a:xfrm>
+          <a:prstGeom prst="rect">
+            <a:avLst/>
+          </a:prstGeom>
+        </p:spPr>
+        <p:txBody>
+          <a:bodyPr vert="horz" lIns="91440" tIns="45720" rIns="91440" bIns="45720" rtlCol="0" anchor="b"/>
+          <a:lstStyle>
+            <a:lvl1pPr algn="l">
+              <a:defRPr sz="1200"/>
+            </a:lvl1pPr>
+          </a:lstStyle>
+          <a:p>
+            <a:endParaRPr lang="zh-CN" altLang="en-US"/>
+          </a:p>
+        </p:txBody>
+      </p:sp>
+      <p:sp>
+        <p:nvSpPr>
+          <p:cNvPr id="7" name="灯片编号占位符 6"/>
+          <p:cNvSpPr>
+            <a:spLocks noGrp="1"/>
+          </p:cNvSpPr>
+          <p:nvPr>
+            <p:ph type="sldNum" sz="quarter" idx="5"/>
+          </p:nvPr>
+        </p:nvSpPr>
+        <p:spPr>
+          <a:xfrm>
+            <a:off x="3884613" y="8685213"/>
+            <a:ext cx="2971800" cy="458787"/>
+          </a:xfrm>
+          <a:prstGeom prst="rect">
+            <a:avLst/>
+          </a:prstGeom>
+        </p:spPr>
+        <p:txBody>
+          <a:bodyPr vert="horz" lIns="91440" tIns="45720" rIns="91440" bIns="45720" rtlCol="0" anchor="b"/>
+          <a:lstStyle>
+            <a:lvl1pPr algn="r">
+              <a:defRPr sz="1200"/>
+            </a:lvl1pPr>
+          </a:lstStyle>
+          <a:p>
+            <a:fld id="{A6837353-30EB-4A48-80EB-173D804AEFBD}" type="slidenum">
+              <a:rPr lang="zh-CN" altLang="en-US" smtClean="0"/>
+            </a:fld>
+            <a:endParaRPr lang="zh-CN" altLang="en-US"/>
+          </a:p>
+        </p:txBody>
+      </p:sp>
+    </p:spTree>
+  </p:cSld>
+  <p:clrMap bg1="lt1" tx1="dk1" bg2="lt2" tx2="dk2" accent1="accent1" accent2="accent2" accent3="accent3" accent4="accent4" accent5="accent5" accent6="accent6" hlink="hlink" folHlink="folHlink"/>
+  <p:notesStyle>
+    <a:lvl1pPr marL="0" algn="l" defTabSz="914400" rtl="0" eaLnBrk="1" latinLnBrk="0" hangingPunct="1">
+      <a:defRPr sz="1200" kern="1200">
+        <a:solidFill>
+          <a:schemeClr val="tx1"/>
+        </a:solidFill>
+        <a:latin typeface="+mn-lt"/>
+        <a:ea typeface="+mn-ea"/>
+        <a:cs typeface="+mn-cs"/>
+      </a:defRPr>
+    </a:lvl1pPr>
+    <a:lvl2pPr marL="457200" algn="l" defTabSz="914400" rtl="0" eaLnBrk="1" latinLnBrk="0" hangingPunct="1">
+      <a:defRPr sz="1200" kern="1200">
+        <a:solidFill>
+          <a:schemeClr val="tx1"/>
+        </a:solidFill>
+        <a:latin typeface="+mn-lt"/>
+        <a:ea typeface="+mn-ea"/>
+        <a:cs typeface="+mn-cs"/>
+      </a:defRPr>
+    </a:lvl2pPr>
+    <a:lvl3pPr marL="914400" algn="l" defTabSz="914400" rtl="0" eaLnBrk="1" latinLnBrk="0" hangingPunct="1">
+      <a:defRPr sz="1200" kern="1200">
+        <a:solidFill>
+          <a:schemeClr val="tx1"/>
+        </a:solidFill>
+        <a:latin typeface="+mn-lt"/>
+        <a:ea typeface="+mn-ea"/>
+        <a:cs typeface="+mn-cs"/>
+      </a:defRPr>
+    </a:lvl3pPr>
+    <a:lvl4pPr marL="1371600" algn="l" defTabSz="914400" rtl="0" eaLnBrk="1" latinLnBrk="0" hangingPunct="1">
+      <a:defRPr sz="1200" kern="1200">
+        <a:solidFill>
+          <a:schemeClr val="tx1"/>
+        </a:solidFill>
+        <a:latin typeface="+mn-lt"/>
+        <a:ea typeface="+mn-ea"/>
+        <a:cs typeface="+mn-cs"/>
+      </a:defRPr>
+    </a:lvl4pPr>
+    <a:lvl5pPr marL="1828800" algn="l" defTabSz="914400" rtl="0" eaLnBrk="1" latinLnBrk="0" hangingPunct="1">
+      <a:defRPr sz="1200" kern="1200">
+        <a:solidFill>
+          <a:schemeClr val="tx1"/>
+        </a:solidFill>
+        <a:latin typeface="+mn-lt"/>
+        <a:ea typeface="+mn-ea"/>
+        <a:cs typeface="+mn-cs"/>
+      </a:defRPr>
+    </a:lvl5pPr>
+    <a:lvl6pPr marL="2286000" algn="l" defTabSz="914400" rtl="0" eaLnBrk="1" latinLnBrk="0" hangingPunct="1">
+      <a:defRPr sz="1200" kern="1200">
+        <a:solidFill>
+          <a:schemeClr val="tx1"/>
+        </a:solidFill>
+        <a:latin typeface="+mn-lt"/>
+        <a:ea typeface="+mn-ea"/>
+        <a:cs typeface="+mn-cs"/>
+      </a:defRPr>
+    </a:lvl6pPr>
+    <a:lvl7pPr marL="2743200" algn="l" defTabSz="914400" rtl="0" eaLnBrk="1" latinLnBrk="0" hangingPunct="1">
+      <a:defRPr sz="1200" kern="1200">
+        <a:solidFill>
+          <a:schemeClr val="tx1"/>
+        </a:solidFill>
+        <a:latin typeface="+mn-lt"/>
+        <a:ea typeface="+mn-ea"/>
+        <a:cs typeface="+mn-cs"/>
+      </a:defRPr>
+    </a:lvl7pPr>
+    <a:lvl8pPr marL="3200400" algn="l" defTabSz="914400" rtl="0" eaLnBrk="1" latinLnBrk="0" hangingPunct="1">
+      <a:defRPr sz="1200" kern="1200">
+        <a:solidFill>
+          <a:schemeClr val="tx1"/>
+        </a:solidFill>
+        <a:latin typeface="+mn-lt"/>
+        <a:ea typeface="+mn-ea"/>
+        <a:cs typeface="+mn-cs"/>
+      </a:defRPr>
+    </a:lvl8pPr>
+    <a:lvl9pPr marL="3657600" algn="l" defTabSz="914400" rtl="0" eaLnBrk="1" latinLnBrk="0" hangingPunct="1">
+      <a:defRPr sz="1200" kern="1200">
+        <a:solidFill>
+          <a:schemeClr val="tx1"/>
+        </a:solidFill>
+        <a:latin typeface="+mn-lt"/>
+        <a:ea typeface="+mn-ea"/>
+        <a:cs typeface="+mn-cs"/>
+      </a:defRPr>
+    </a:lvl9pPr>
+  </p:notesStyle>
+</p:notesMaster>
 </file>
 
 <file path=ppt/slideLayouts/slideLayout1.xml><?xml version="1.0" encoding="utf-8"?>
@@ -299,7 +818,6 @@
           <a:p>
             <a:fld id="{4AAD347D-5ACD-4C99-B74B-A9C85AD731AF}" type="datetimeFigureOut">
               <a:rPr lang="en-US" dirty="0"/>
-              <a:t>5/29/2020</a:t>
             </a:fld>
             <a:endParaRPr lang="en-US" dirty="0"/>
           </a:p>
@@ -341,7 +859,6 @@
           <a:p>
             <a:fld id="{D57F1E4F-1CFF-5643-939E-02111984F565}" type="slidenum">
               <a:rPr lang="en-US" dirty="0"/>
-              <a:t>‹#›</a:t>
             </a:fld>
             <a:endParaRPr lang="en-US" dirty="0"/>
           </a:p>
@@ -549,6 +1066,7 @@
               <a:rPr lang="zh-CN" altLang="en-US"/>
               <a:t>单击此处编辑母版文本样式</a:t>
             </a:r>
+            <a:endParaRPr lang="zh-CN" altLang="en-US"/>
           </a:p>
         </p:txBody>
       </p:sp>
@@ -569,7 +1087,6 @@
           <a:p>
             <a:fld id="{4509A250-FF31-4206-8172-F9D3106AACB1}" type="datetimeFigureOut">
               <a:rPr lang="en-US" dirty="0"/>
-              <a:t>5/29/2020</a:t>
             </a:fld>
             <a:endParaRPr lang="en-US" dirty="0"/>
           </a:p>
@@ -611,7 +1128,6 @@
           <a:p>
             <a:fld id="{D57F1E4F-1CFF-5643-939E-02111984F565}" type="slidenum">
               <a:rPr lang="en-US" dirty="0"/>
-              <a:t>‹#›</a:t>
             </a:fld>
             <a:endParaRPr lang="en-US" dirty="0"/>
           </a:p>
@@ -738,6 +1254,7 @@
               <a:rPr lang="zh-CN" altLang="en-US"/>
               <a:t>单击此处编辑母版文本样式</a:t>
             </a:r>
+            <a:endParaRPr lang="zh-CN" altLang="en-US"/>
           </a:p>
         </p:txBody>
       </p:sp>
@@ -758,7 +1275,6 @@
           <a:p>
             <a:fld id="{4509A250-FF31-4206-8172-F9D3106AACB1}" type="datetimeFigureOut">
               <a:rPr lang="en-US" dirty="0"/>
-              <a:t>5/29/2020</a:t>
             </a:fld>
             <a:endParaRPr lang="en-US" dirty="0"/>
           </a:p>
@@ -800,7 +1316,6 @@
           <a:p>
             <a:fld id="{D57F1E4F-1CFF-5643-939E-02111984F565}" type="slidenum">
               <a:rPr lang="en-US" dirty="0"/>
-              <a:t>‹#›</a:t>
             </a:fld>
             <a:endParaRPr lang="en-US" dirty="0"/>
           </a:p>
@@ -939,6 +1454,7 @@
               <a:rPr lang="zh-CN" altLang="en-US"/>
               <a:t>单击此处编辑母版文本样式</a:t>
             </a:r>
+            <a:endParaRPr lang="zh-CN" altLang="en-US"/>
           </a:p>
         </p:txBody>
       </p:sp>
@@ -1006,6 +1522,7 @@
               <a:rPr lang="zh-CN" altLang="en-US"/>
               <a:t>单击此处编辑母版文本样式</a:t>
             </a:r>
+            <a:endParaRPr lang="zh-CN" altLang="en-US"/>
           </a:p>
         </p:txBody>
       </p:sp>
@@ -1026,7 +1543,6 @@
           <a:p>
             <a:fld id="{4509A250-FF31-4206-8172-F9D3106AACB1}" type="datetimeFigureOut">
               <a:rPr lang="en-US" dirty="0"/>
-              <a:t>5/29/2020</a:t>
             </a:fld>
             <a:endParaRPr lang="en-US" dirty="0"/>
           </a:p>
@@ -1068,7 +1584,6 @@
           <a:p>
             <a:fld id="{D57F1E4F-1CFF-5643-939E-02111984F565}" type="slidenum">
               <a:rPr lang="en-US" dirty="0"/>
-              <a:t>‹#›</a:t>
             </a:fld>
             <a:endParaRPr lang="en-US" dirty="0"/>
           </a:p>
@@ -1106,7 +1621,7 @@
                     <a:lumOff val="60000"/>
                   </a:schemeClr>
                 </a:solidFill>
-                <a:latin typeface="Arial"/>
+                <a:latin typeface="Arial" panose="020B0604020202020204"/>
                 <a:ea typeface="+mj-ea"/>
                 <a:cs typeface="+mj-cs"/>
               </a:defRPr>
@@ -1118,6 +1633,7 @@
               <a:rPr lang="en-US" dirty="0"/>
               <a:t>“</a:t>
             </a:r>
+            <a:endParaRPr lang="en-US" dirty="0"/>
           </a:p>
         </p:txBody>
       </p:sp>
@@ -1153,7 +1669,7 @@
                     <a:lumOff val="60000"/>
                   </a:schemeClr>
                 </a:solidFill>
-                <a:latin typeface="Arial"/>
+                <a:latin typeface="Arial" panose="020B0604020202020204"/>
                 <a:ea typeface="+mj-ea"/>
                 <a:cs typeface="+mj-cs"/>
               </a:defRPr>
@@ -1165,6 +1681,7 @@
               <a:rPr lang="en-US" dirty="0"/>
               <a:t>”</a:t>
             </a:r>
+            <a:endParaRPr lang="en-US" dirty="0"/>
           </a:p>
         </p:txBody>
       </p:sp>
@@ -1342,6 +1859,7 @@
               <a:rPr lang="zh-CN" altLang="en-US"/>
               <a:t>单击此处编辑母版文本样式</a:t>
             </a:r>
+            <a:endParaRPr lang="zh-CN" altLang="en-US"/>
           </a:p>
         </p:txBody>
       </p:sp>
@@ -1362,7 +1880,6 @@
           <a:p>
             <a:fld id="{4509A250-FF31-4206-8172-F9D3106AACB1}" type="datetimeFigureOut">
               <a:rPr lang="en-US" dirty="0"/>
-              <a:t>5/29/2020</a:t>
             </a:fld>
             <a:endParaRPr lang="en-US" dirty="0"/>
           </a:p>
@@ -1404,7 +1921,6 @@
           <a:p>
             <a:fld id="{D57F1E4F-1CFF-5643-939E-02111984F565}" type="slidenum">
               <a:rPr lang="en-US" dirty="0"/>
-              <a:t>‹#›</a:t>
             </a:fld>
             <a:endParaRPr lang="en-US" dirty="0"/>
           </a:p>
@@ -1533,6 +2049,7 @@
               <a:rPr lang="zh-CN" altLang="en-US"/>
               <a:t>单击此处编辑母版文本样式</a:t>
             </a:r>
+            <a:endParaRPr lang="zh-CN" altLang="en-US"/>
           </a:p>
         </p:txBody>
       </p:sp>
@@ -1600,6 +2117,7 @@
               <a:rPr lang="zh-CN" altLang="en-US"/>
               <a:t>单击此处编辑母版文本样式</a:t>
             </a:r>
+            <a:endParaRPr lang="zh-CN" altLang="en-US"/>
           </a:p>
         </p:txBody>
       </p:sp>
@@ -1674,6 +2192,7 @@
               <a:rPr lang="zh-CN" altLang="en-US"/>
               <a:t>单击此处编辑母版文本样式</a:t>
             </a:r>
+            <a:endParaRPr lang="zh-CN" altLang="en-US"/>
           </a:p>
         </p:txBody>
       </p:sp>
@@ -1741,6 +2260,7 @@
               <a:rPr lang="zh-CN" altLang="en-US"/>
               <a:t>单击此处编辑母版文本样式</a:t>
             </a:r>
+            <a:endParaRPr lang="zh-CN" altLang="en-US"/>
           </a:p>
         </p:txBody>
       </p:sp>
@@ -1815,6 +2335,7 @@
               <a:rPr lang="zh-CN" altLang="en-US"/>
               <a:t>单击此处编辑母版文本样式</a:t>
             </a:r>
+            <a:endParaRPr lang="zh-CN" altLang="en-US"/>
           </a:p>
         </p:txBody>
       </p:sp>
@@ -1882,6 +2403,7 @@
               <a:rPr lang="zh-CN" altLang="en-US"/>
               <a:t>单击此处编辑母版文本样式</a:t>
             </a:r>
+            <a:endParaRPr lang="zh-CN" altLang="en-US"/>
           </a:p>
         </p:txBody>
       </p:sp>
@@ -1980,7 +2502,6 @@
           <a:p>
             <a:fld id="{4509A250-FF31-4206-8172-F9D3106AACB1}" type="datetimeFigureOut">
               <a:rPr lang="en-US" dirty="0"/>
-              <a:t>5/29/2020</a:t>
             </a:fld>
             <a:endParaRPr lang="en-US" dirty="0"/>
           </a:p>
@@ -2022,7 +2543,6 @@
           <a:p>
             <a:fld id="{D57F1E4F-1CFF-5643-939E-02111984F565}" type="slidenum">
               <a:rPr lang="en-US" dirty="0"/>
-              <a:t>‹#›</a:t>
             </a:fld>
             <a:endParaRPr lang="en-US" dirty="0"/>
           </a:p>
@@ -2151,6 +2671,7 @@
               <a:rPr lang="zh-CN" altLang="en-US"/>
               <a:t>单击此处编辑母版文本样式</a:t>
             </a:r>
+            <a:endParaRPr lang="zh-CN" altLang="en-US"/>
           </a:p>
         </p:txBody>
       </p:sp>
@@ -2297,6 +2818,7 @@
               <a:rPr lang="zh-CN" altLang="en-US"/>
               <a:t>单击此处编辑母版文本样式</a:t>
             </a:r>
+            <a:endParaRPr lang="zh-CN" altLang="en-US"/>
           </a:p>
         </p:txBody>
       </p:sp>
@@ -2371,6 +2893,7 @@
               <a:rPr lang="zh-CN" altLang="en-US"/>
               <a:t>单击此处编辑母版文本样式</a:t>
             </a:r>
+            <a:endParaRPr lang="zh-CN" altLang="en-US"/>
           </a:p>
         </p:txBody>
       </p:sp>
@@ -2517,6 +3040,7 @@
               <a:rPr lang="zh-CN" altLang="en-US"/>
               <a:t>单击此处编辑母版文本样式</a:t>
             </a:r>
+            <a:endParaRPr lang="zh-CN" altLang="en-US"/>
           </a:p>
         </p:txBody>
       </p:sp>
@@ -2591,6 +3115,7 @@
               <a:rPr lang="zh-CN" altLang="en-US"/>
               <a:t>单击此处编辑母版文本样式</a:t>
             </a:r>
+            <a:endParaRPr lang="zh-CN" altLang="en-US"/>
           </a:p>
         </p:txBody>
       </p:sp>
@@ -2737,6 +3262,7 @@
               <a:rPr lang="zh-CN" altLang="en-US"/>
               <a:t>单击此处编辑母版文本样式</a:t>
             </a:r>
+            <a:endParaRPr lang="zh-CN" altLang="en-US"/>
           </a:p>
         </p:txBody>
       </p:sp>
@@ -2835,7 +3361,6 @@
           <a:p>
             <a:fld id="{4509A250-FF31-4206-8172-F9D3106AACB1}" type="datetimeFigureOut">
               <a:rPr lang="en-US" dirty="0"/>
-              <a:t>5/29/2020</a:t>
             </a:fld>
             <a:endParaRPr lang="en-US" dirty="0"/>
           </a:p>
@@ -2877,7 +3402,6 @@
           <a:p>
             <a:fld id="{D57F1E4F-1CFF-5643-939E-02111984F565}" type="slidenum">
               <a:rPr lang="en-US" dirty="0"/>
-              <a:t>‹#›</a:t>
             </a:fld>
             <a:endParaRPr lang="en-US" dirty="0"/>
           </a:p>
@@ -2951,6 +3475,7 @@
               <a:rPr lang="zh-CN" altLang="en-US"/>
               <a:t>单击此处编辑母版文本样式</a:t>
             </a:r>
+            <a:endParaRPr lang="zh-CN" altLang="en-US"/>
           </a:p>
           <a:p>
             <a:pPr lvl="1"/>
@@ -2958,6 +3483,7 @@
               <a:rPr lang="zh-CN" altLang="en-US"/>
               <a:t>二级</a:t>
             </a:r>
+            <a:endParaRPr lang="zh-CN" altLang="en-US"/>
           </a:p>
           <a:p>
             <a:pPr lvl="2"/>
@@ -2965,6 +3491,7 @@
               <a:rPr lang="zh-CN" altLang="en-US"/>
               <a:t>三级</a:t>
             </a:r>
+            <a:endParaRPr lang="zh-CN" altLang="en-US"/>
           </a:p>
           <a:p>
             <a:pPr lvl="3"/>
@@ -2972,6 +3499,7 @@
               <a:rPr lang="zh-CN" altLang="en-US"/>
               <a:t>四级</a:t>
             </a:r>
+            <a:endParaRPr lang="zh-CN" altLang="en-US"/>
           </a:p>
           <a:p>
             <a:pPr lvl="4"/>
@@ -3000,7 +3528,6 @@
           <a:p>
             <a:fld id="{4509A250-FF31-4206-8172-F9D3106AACB1}" type="datetimeFigureOut">
               <a:rPr lang="en-US" dirty="0"/>
-              <a:t>5/29/2020</a:t>
             </a:fld>
             <a:endParaRPr lang="en-US" dirty="0"/>
           </a:p>
@@ -3042,7 +3569,6 @@
           <a:p>
             <a:fld id="{D57F1E4F-1CFF-5643-939E-02111984F565}" type="slidenum">
               <a:rPr lang="en-US" dirty="0"/>
-              <a:t>‹#›</a:t>
             </a:fld>
             <a:endParaRPr lang="en-US" dirty="0"/>
           </a:p>
@@ -3126,6 +3652,7 @@
               <a:rPr lang="zh-CN" altLang="en-US"/>
               <a:t>单击此处编辑母版文本样式</a:t>
             </a:r>
+            <a:endParaRPr lang="zh-CN" altLang="en-US"/>
           </a:p>
           <a:p>
             <a:pPr lvl="1"/>
@@ -3133,6 +3660,7 @@
               <a:rPr lang="zh-CN" altLang="en-US"/>
               <a:t>二级</a:t>
             </a:r>
+            <a:endParaRPr lang="zh-CN" altLang="en-US"/>
           </a:p>
           <a:p>
             <a:pPr lvl="2"/>
@@ -3140,6 +3668,7 @@
               <a:rPr lang="zh-CN" altLang="en-US"/>
               <a:t>三级</a:t>
             </a:r>
+            <a:endParaRPr lang="zh-CN" altLang="en-US"/>
           </a:p>
           <a:p>
             <a:pPr lvl="3"/>
@@ -3147,6 +3676,7 @@
               <a:rPr lang="zh-CN" altLang="en-US"/>
               <a:t>四级</a:t>
             </a:r>
+            <a:endParaRPr lang="zh-CN" altLang="en-US"/>
           </a:p>
           <a:p>
             <a:pPr lvl="4"/>
@@ -3175,7 +3705,6 @@
           <a:p>
             <a:fld id="{4509A250-FF31-4206-8172-F9D3106AACB1}" type="datetimeFigureOut">
               <a:rPr lang="en-US" dirty="0"/>
-              <a:t>5/29/2020</a:t>
             </a:fld>
             <a:endParaRPr lang="en-US" dirty="0"/>
           </a:p>
@@ -3217,7 +3746,6 @@
           <a:p>
             <a:fld id="{D57F1E4F-1CFF-5643-939E-02111984F565}" type="slidenum">
               <a:rPr lang="en-US" dirty="0"/>
-              <a:t>‹#›</a:t>
             </a:fld>
             <a:endParaRPr lang="en-US" dirty="0"/>
           </a:p>
@@ -3291,6 +3819,7 @@
               <a:rPr lang="zh-CN" altLang="en-US"/>
               <a:t>单击此处编辑母版文本样式</a:t>
             </a:r>
+            <a:endParaRPr lang="zh-CN" altLang="en-US"/>
           </a:p>
           <a:p>
             <a:pPr lvl="1"/>
@@ -3298,6 +3827,7 @@
               <a:rPr lang="zh-CN" altLang="en-US"/>
               <a:t>二级</a:t>
             </a:r>
+            <a:endParaRPr lang="zh-CN" altLang="en-US"/>
           </a:p>
           <a:p>
             <a:pPr lvl="2"/>
@@ -3305,6 +3835,7 @@
               <a:rPr lang="zh-CN" altLang="en-US"/>
               <a:t>三级</a:t>
             </a:r>
+            <a:endParaRPr lang="zh-CN" altLang="en-US"/>
           </a:p>
           <a:p>
             <a:pPr lvl="3"/>
@@ -3312,6 +3843,7 @@
               <a:rPr lang="zh-CN" altLang="en-US"/>
               <a:t>四级</a:t>
             </a:r>
+            <a:endParaRPr lang="zh-CN" altLang="en-US"/>
           </a:p>
           <a:p>
             <a:pPr lvl="4"/>
@@ -3340,7 +3872,6 @@
           <a:p>
             <a:fld id="{4509A250-FF31-4206-8172-F9D3106AACB1}" type="datetimeFigureOut">
               <a:rPr lang="en-US" dirty="0"/>
-              <a:t>5/29/2020</a:t>
             </a:fld>
             <a:endParaRPr lang="en-US" dirty="0"/>
           </a:p>
@@ -3382,7 +3913,6 @@
           <a:p>
             <a:fld id="{D57F1E4F-1CFF-5643-939E-02111984F565}" type="slidenum">
               <a:rPr lang="en-US" dirty="0"/>
-              <a:t>‹#›</a:t>
             </a:fld>
             <a:endParaRPr lang="en-US" dirty="0"/>
           </a:p>
@@ -3562,6 +4092,7 @@
               <a:rPr lang="zh-CN" altLang="en-US"/>
               <a:t>单击此处编辑母版文本样式</a:t>
             </a:r>
+            <a:endParaRPr lang="zh-CN" altLang="en-US"/>
           </a:p>
         </p:txBody>
       </p:sp>
@@ -3582,7 +4113,6 @@
           <a:p>
             <a:fld id="{9796027F-7875-4030-9381-8BD8C4F21935}" type="datetimeFigureOut">
               <a:rPr lang="en-US" dirty="0"/>
-              <a:t>5/29/2020</a:t>
             </a:fld>
             <a:endParaRPr lang="en-US" dirty="0"/>
           </a:p>
@@ -3624,7 +4154,6 @@
           <a:p>
             <a:fld id="{D57F1E4F-1CFF-5643-939E-02111984F565}" type="slidenum">
               <a:rPr lang="en-US" dirty="0"/>
-              <a:t>‹#›</a:t>
             </a:fld>
             <a:endParaRPr lang="en-US" dirty="0"/>
           </a:p>
@@ -3733,6 +4262,7 @@
               <a:rPr lang="zh-CN" altLang="en-US"/>
               <a:t>单击此处编辑母版文本样式</a:t>
             </a:r>
+            <a:endParaRPr lang="zh-CN" altLang="en-US"/>
           </a:p>
           <a:p>
             <a:pPr lvl="1"/>
@@ -3740,6 +4270,7 @@
               <a:rPr lang="zh-CN" altLang="en-US"/>
               <a:t>二级</a:t>
             </a:r>
+            <a:endParaRPr lang="zh-CN" altLang="en-US"/>
           </a:p>
           <a:p>
             <a:pPr lvl="2"/>
@@ -3747,6 +4278,7 @@
               <a:rPr lang="zh-CN" altLang="en-US"/>
               <a:t>三级</a:t>
             </a:r>
+            <a:endParaRPr lang="zh-CN" altLang="en-US"/>
           </a:p>
           <a:p>
             <a:pPr lvl="3"/>
@@ -3754,6 +4286,7 @@
               <a:rPr lang="zh-CN" altLang="en-US"/>
               <a:t>四级</a:t>
             </a:r>
+            <a:endParaRPr lang="zh-CN" altLang="en-US"/>
           </a:p>
           <a:p>
             <a:pPr lvl="4"/>
@@ -3820,6 +4353,7 @@
               <a:rPr lang="zh-CN" altLang="en-US"/>
               <a:t>单击此处编辑母版文本样式</a:t>
             </a:r>
+            <a:endParaRPr lang="zh-CN" altLang="en-US"/>
           </a:p>
           <a:p>
             <a:pPr lvl="1"/>
@@ -3827,6 +4361,7 @@
               <a:rPr lang="zh-CN" altLang="en-US"/>
               <a:t>二级</a:t>
             </a:r>
+            <a:endParaRPr lang="zh-CN" altLang="en-US"/>
           </a:p>
           <a:p>
             <a:pPr lvl="2"/>
@@ -3834,6 +4369,7 @@
               <a:rPr lang="zh-CN" altLang="en-US"/>
               <a:t>三级</a:t>
             </a:r>
+            <a:endParaRPr lang="zh-CN" altLang="en-US"/>
           </a:p>
           <a:p>
             <a:pPr lvl="3"/>
@@ -3841,6 +4377,7 @@
               <a:rPr lang="zh-CN" altLang="en-US"/>
               <a:t>四级</a:t>
             </a:r>
+            <a:endParaRPr lang="zh-CN" altLang="en-US"/>
           </a:p>
           <a:p>
             <a:pPr lvl="4"/>
@@ -3869,7 +4406,6 @@
           <a:p>
             <a:fld id="{9796027F-7875-4030-9381-8BD8C4F21935}" type="datetimeFigureOut">
               <a:rPr lang="en-US" dirty="0"/>
-              <a:t>5/29/2020</a:t>
             </a:fld>
             <a:endParaRPr lang="en-US" dirty="0"/>
           </a:p>
@@ -3911,7 +4447,6 @@
           <a:p>
             <a:fld id="{D57F1E4F-1CFF-5643-939E-02111984F565}" type="slidenum">
               <a:rPr lang="en-US" dirty="0"/>
-              <a:t>‹#›</a:t>
             </a:fld>
             <a:endParaRPr lang="en-US" dirty="0"/>
           </a:p>
@@ -4040,6 +4575,7 @@
               <a:rPr lang="zh-CN" altLang="en-US"/>
               <a:t>单击此处编辑母版文本样式</a:t>
             </a:r>
+            <a:endParaRPr lang="zh-CN" altLang="en-US"/>
           </a:p>
         </p:txBody>
       </p:sp>
@@ -4098,6 +4634,7 @@
               <a:rPr lang="zh-CN" altLang="en-US"/>
               <a:t>单击此处编辑母版文本样式</a:t>
             </a:r>
+            <a:endParaRPr lang="zh-CN" altLang="en-US"/>
           </a:p>
           <a:p>
             <a:pPr lvl="1"/>
@@ -4105,6 +4642,7 @@
               <a:rPr lang="zh-CN" altLang="en-US"/>
               <a:t>二级</a:t>
             </a:r>
+            <a:endParaRPr lang="zh-CN" altLang="en-US"/>
           </a:p>
           <a:p>
             <a:pPr lvl="2"/>
@@ -4112,6 +4650,7 @@
               <a:rPr lang="zh-CN" altLang="en-US"/>
               <a:t>三级</a:t>
             </a:r>
+            <a:endParaRPr lang="zh-CN" altLang="en-US"/>
           </a:p>
           <a:p>
             <a:pPr lvl="3"/>
@@ -4119,6 +4658,7 @@
               <a:rPr lang="zh-CN" altLang="en-US"/>
               <a:t>四级</a:t>
             </a:r>
+            <a:endParaRPr lang="zh-CN" altLang="en-US"/>
           </a:p>
           <a:p>
             <a:pPr lvl="4"/>
@@ -4201,6 +4741,7 @@
               <a:rPr lang="zh-CN" altLang="en-US"/>
               <a:t>单击此处编辑母版文本样式</a:t>
             </a:r>
+            <a:endParaRPr lang="zh-CN" altLang="en-US"/>
           </a:p>
         </p:txBody>
       </p:sp>
@@ -4259,6 +4800,7 @@
               <a:rPr lang="zh-CN" altLang="en-US"/>
               <a:t>单击此处编辑母版文本样式</a:t>
             </a:r>
+            <a:endParaRPr lang="zh-CN" altLang="en-US"/>
           </a:p>
           <a:p>
             <a:pPr lvl="1"/>
@@ -4266,6 +4808,7 @@
               <a:rPr lang="zh-CN" altLang="en-US"/>
               <a:t>二级</a:t>
             </a:r>
+            <a:endParaRPr lang="zh-CN" altLang="en-US"/>
           </a:p>
           <a:p>
             <a:pPr lvl="2"/>
@@ -4273,6 +4816,7 @@
               <a:rPr lang="zh-CN" altLang="en-US"/>
               <a:t>三级</a:t>
             </a:r>
+            <a:endParaRPr lang="zh-CN" altLang="en-US"/>
           </a:p>
           <a:p>
             <a:pPr lvl="3"/>
@@ -4280,6 +4824,7 @@
               <a:rPr lang="zh-CN" altLang="en-US"/>
               <a:t>四级</a:t>
             </a:r>
+            <a:endParaRPr lang="zh-CN" altLang="en-US"/>
           </a:p>
           <a:p>
             <a:pPr lvl="4"/>
@@ -4308,7 +4853,6 @@
           <a:p>
             <a:fld id="{9796027F-7875-4030-9381-8BD8C4F21935}" type="datetimeFigureOut">
               <a:rPr lang="en-US" dirty="0"/>
-              <a:t>5/29/2020</a:t>
             </a:fld>
             <a:endParaRPr lang="en-US" dirty="0"/>
           </a:p>
@@ -4350,7 +4894,6 @@
           <a:p>
             <a:fld id="{D57F1E4F-1CFF-5643-939E-02111984F565}" type="slidenum">
               <a:rPr lang="en-US" dirty="0"/>
-              <a:t>‹#›</a:t>
             </a:fld>
             <a:endParaRPr lang="en-US" dirty="0"/>
           </a:p>
@@ -4421,7 +4964,6 @@
           <a:p>
             <a:fld id="{4509A250-FF31-4206-8172-F9D3106AACB1}" type="datetimeFigureOut">
               <a:rPr lang="en-US" dirty="0"/>
-              <a:t>5/29/2020</a:t>
             </a:fld>
             <a:endParaRPr lang="en-US" dirty="0"/>
           </a:p>
@@ -4463,7 +5005,6 @@
           <a:p>
             <a:fld id="{D57F1E4F-1CFF-5643-939E-02111984F565}" type="slidenum">
               <a:rPr lang="en-US" dirty="0"/>
-              <a:t>‹#›</a:t>
             </a:fld>
             <a:endParaRPr lang="en-US" dirty="0"/>
           </a:p>
@@ -4511,7 +5052,6 @@
           <a:p>
             <a:fld id="{4509A250-FF31-4206-8172-F9D3106AACB1}" type="datetimeFigureOut">
               <a:rPr lang="en-US" dirty="0"/>
-              <a:t>5/29/2020</a:t>
             </a:fld>
             <a:endParaRPr lang="en-US" dirty="0"/>
           </a:p>
@@ -4553,7 +5093,6 @@
           <a:p>
             <a:fld id="{D57F1E4F-1CFF-5643-939E-02111984F565}" type="slidenum">
               <a:rPr lang="en-US" dirty="0"/>
-              <a:t>‹#›</a:t>
             </a:fld>
             <a:endParaRPr lang="en-US" dirty="0"/>
           </a:p>
@@ -4671,6 +5210,7 @@
               <a:rPr lang="zh-CN" altLang="en-US"/>
               <a:t>单击此处编辑母版文本样式</a:t>
             </a:r>
+            <a:endParaRPr lang="zh-CN" altLang="en-US"/>
           </a:p>
           <a:p>
             <a:pPr lvl="1"/>
@@ -4678,6 +5218,7 @@
               <a:rPr lang="zh-CN" altLang="en-US"/>
               <a:t>二级</a:t>
             </a:r>
+            <a:endParaRPr lang="zh-CN" altLang="en-US"/>
           </a:p>
           <a:p>
             <a:pPr lvl="2"/>
@@ -4685,6 +5226,7 @@
               <a:rPr lang="zh-CN" altLang="en-US"/>
               <a:t>三级</a:t>
             </a:r>
+            <a:endParaRPr lang="zh-CN" altLang="en-US"/>
           </a:p>
           <a:p>
             <a:pPr lvl="3"/>
@@ -4692,6 +5234,7 @@
               <a:rPr lang="zh-CN" altLang="en-US"/>
               <a:t>四级</a:t>
             </a:r>
+            <a:endParaRPr lang="zh-CN" altLang="en-US"/>
           </a:p>
           <a:p>
             <a:pPr lvl="4"/>
@@ -4765,6 +5308,7 @@
               <a:rPr lang="zh-CN" altLang="en-US"/>
               <a:t>单击此处编辑母版文本样式</a:t>
             </a:r>
+            <a:endParaRPr lang="zh-CN" altLang="en-US"/>
           </a:p>
         </p:txBody>
       </p:sp>
@@ -4785,7 +5329,6 @@
           <a:p>
             <a:fld id="{4509A250-FF31-4206-8172-F9D3106AACB1}" type="datetimeFigureOut">
               <a:rPr lang="en-US" dirty="0"/>
-              <a:t>5/29/2020</a:t>
             </a:fld>
             <a:endParaRPr lang="en-US" dirty="0"/>
           </a:p>
@@ -4827,7 +5370,6 @@
           <a:p>
             <a:fld id="{D57F1E4F-1CFF-5643-939E-02111984F565}" type="slidenum">
               <a:rPr lang="en-US" dirty="0"/>
-              <a:t>‹#›</a:t>
             </a:fld>
             <a:endParaRPr lang="en-US" dirty="0"/>
           </a:p>
@@ -5035,6 +5577,7 @@
               <a:rPr lang="zh-CN" altLang="en-US"/>
               <a:t>单击此处编辑母版文本样式</a:t>
             </a:r>
+            <a:endParaRPr lang="zh-CN" altLang="en-US"/>
           </a:p>
         </p:txBody>
       </p:sp>
@@ -5055,7 +5598,6 @@
           <a:p>
             <a:fld id="{4509A250-FF31-4206-8172-F9D3106AACB1}" type="datetimeFigureOut">
               <a:rPr lang="en-US" dirty="0"/>
-              <a:t>5/29/2020</a:t>
             </a:fld>
             <a:endParaRPr lang="en-US" dirty="0"/>
           </a:p>
@@ -5097,7 +5639,6 @@
           <a:p>
             <a:fld id="{D57F1E4F-1CFF-5643-939E-02111984F565}" type="slidenum">
               <a:rPr lang="en-US" dirty="0"/>
-              <a:t>‹#›</a:t>
             </a:fld>
             <a:endParaRPr lang="en-US" dirty="0"/>
           </a:p>
@@ -5142,7 +5683,7 @@
           <p:nvPr/>
         </p:nvPicPr>
         <p:blipFill rotWithShape="1">
-          <a:blip r:embed="rId19">
+          <a:blip r:embed="rId18">
             <a:extLst>
               <a:ext uri="{28A0092B-C50C-407E-A947-70E740481C1C}">
                 <a14:useLocalDpi xmlns:a14="http://schemas.microsoft.com/office/drawing/2010/main" val="0"/>
@@ -5150,7 +5691,9 @@
             </a:extLst>
           </a:blip>
           <a:srcRect l="3613"/>
-          <a:stretch/>
+          <a:stretch>
+            <a:fillRect/>
+          </a:stretch>
         </p:blipFill>
         <p:spPr>
           <a:xfrm>
@@ -5171,7 +5714,7 @@
           <p:nvPr/>
         </p:nvPicPr>
         <p:blipFill rotWithShape="1">
-          <a:blip r:embed="rId20">
+          <a:blip r:embed="rId19">
             <a:extLst>
               <a:ext uri="{28A0092B-C50C-407E-A947-70E740481C1C}">
                 <a14:useLocalDpi xmlns:a14="http://schemas.microsoft.com/office/drawing/2010/main" val="0"/>
@@ -5179,7 +5722,9 @@
             </a:extLst>
           </a:blip>
           <a:srcRect l="35640"/>
-          <a:stretch/>
+          <a:stretch>
+            <a:fillRect/>
+          </a:stretch>
         </p:blipFill>
         <p:spPr>
           <a:xfrm>
@@ -5263,7 +5808,7 @@
           <p:nvPr/>
         </p:nvPicPr>
         <p:blipFill rotWithShape="1">
-          <a:blip r:embed="rId21">
+          <a:blip r:embed="rId20">
             <a:extLst>
               <a:ext uri="{28A0092B-C50C-407E-A947-70E740481C1C}">
                 <a14:useLocalDpi xmlns:a14="http://schemas.microsoft.com/office/drawing/2010/main" val="0"/>
@@ -5271,7 +5816,9 @@
             </a:extLst>
           </a:blip>
           <a:srcRect t="28813"/>
-          <a:stretch/>
+          <a:stretch>
+            <a:fillRect/>
+          </a:stretch>
         </p:blipFill>
         <p:spPr>
           <a:xfrm>
@@ -5292,7 +5839,7 @@
           <p:nvPr/>
         </p:nvPicPr>
         <p:blipFill rotWithShape="1">
-          <a:blip r:embed="rId22">
+          <a:blip r:embed="rId21">
             <a:extLst>
               <a:ext uri="{28A0092B-C50C-407E-A947-70E740481C1C}">
                 <a14:useLocalDpi xmlns:a14="http://schemas.microsoft.com/office/drawing/2010/main" val="0"/>
@@ -5300,7 +5847,9 @@
             </a:extLst>
           </a:blip>
           <a:srcRect b="23320"/>
-          <a:stretch/>
+          <a:stretch>
+            <a:fillRect/>
+          </a:stretch>
         </p:blipFill>
         <p:spPr>
           <a:xfrm>
@@ -5411,6 +5960,7 @@
               <a:rPr lang="zh-CN" altLang="en-US"/>
               <a:t>单击此处编辑母版文本样式</a:t>
             </a:r>
+            <a:endParaRPr lang="zh-CN" altLang="en-US"/>
           </a:p>
           <a:p>
             <a:pPr lvl="1"/>
@@ -5418,6 +5968,7 @@
               <a:rPr lang="zh-CN" altLang="en-US"/>
               <a:t>二级</a:t>
             </a:r>
+            <a:endParaRPr lang="zh-CN" altLang="en-US"/>
           </a:p>
           <a:p>
             <a:pPr lvl="2"/>
@@ -5425,6 +5976,7 @@
               <a:rPr lang="zh-CN" altLang="en-US"/>
               <a:t>三级</a:t>
             </a:r>
+            <a:endParaRPr lang="zh-CN" altLang="en-US"/>
           </a:p>
           <a:p>
             <a:pPr lvl="3"/>
@@ -5432,6 +5984,7 @@
               <a:rPr lang="zh-CN" altLang="en-US"/>
               <a:t>四级</a:t>
             </a:r>
+            <a:endParaRPr lang="zh-CN" altLang="en-US"/>
           </a:p>
           <a:p>
             <a:pPr lvl="4"/>
@@ -5473,13 +6026,13 @@
                     <a:alpha val="60000"/>
                   </a:schemeClr>
                 </a:solidFill>
+                <a:latin typeface="宋体" panose="02010600030101010101" pitchFamily="2" charset="-122"/>
               </a:defRPr>
             </a:lvl1pPr>
           </a:lstStyle>
           <a:p>
             <a:fld id="{4AAD347D-5ACD-4C99-B74B-A9C85AD731AF}" type="datetimeFigureOut">
               <a:rPr lang="en-US" dirty="0"/>
-              <a:t>5/29/2020</a:t>
             </a:fld>
             <a:endParaRPr lang="en-US" dirty="0"/>
           </a:p>
@@ -5515,6 +6068,7 @@
                     <a:alpha val="60000"/>
                   </a:schemeClr>
                 </a:solidFill>
+                <a:latin typeface="宋体" panose="02010600030101010101" pitchFamily="2" charset="-122"/>
               </a:defRPr>
             </a:lvl1pPr>
           </a:lstStyle>
@@ -5552,13 +6106,13 @@
                     <a:tint val="75000"/>
                   </a:schemeClr>
                 </a:solidFill>
+                <a:latin typeface="宋体" panose="02010600030101010101" pitchFamily="2" charset="-122"/>
               </a:defRPr>
             </a:lvl1pPr>
           </a:lstStyle>
           <a:p>
             <a:fld id="{D57F1E4F-1CFF-5643-939E-02111984F565}" type="slidenum">
               <a:rPr lang="en-US" dirty="0"/>
-              <a:t>‹#›</a:t>
             </a:fld>
             <a:endParaRPr lang="en-US" dirty="0"/>
           </a:p>
@@ -5576,15 +6130,15 @@
     <p:sldLayoutId id="2147483654" r:id="rId6"/>
     <p:sldLayoutId id="2147483655" r:id="rId7"/>
     <p:sldLayoutId id="2147483656" r:id="rId8"/>
-    <p:sldLayoutId id="2147483668" r:id="rId9"/>
-    <p:sldLayoutId id="2147483667" r:id="rId10"/>
-    <p:sldLayoutId id="2147483661" r:id="rId11"/>
-    <p:sldLayoutId id="2147483664" r:id="rId12"/>
-    <p:sldLayoutId id="2147483662" r:id="rId13"/>
-    <p:sldLayoutId id="2147483669" r:id="rId14"/>
-    <p:sldLayoutId id="2147483670" r:id="rId15"/>
-    <p:sldLayoutId id="2147483658" r:id="rId16"/>
-    <p:sldLayoutId id="2147483659" r:id="rId17"/>
+    <p:sldLayoutId id="2147483657" r:id="rId9"/>
+    <p:sldLayoutId id="2147483658" r:id="rId10"/>
+    <p:sldLayoutId id="2147483659" r:id="rId11"/>
+    <p:sldLayoutId id="2147483660" r:id="rId12"/>
+    <p:sldLayoutId id="2147483661" r:id="rId13"/>
+    <p:sldLayoutId id="2147483662" r:id="rId14"/>
+    <p:sldLayoutId id="2147483663" r:id="rId15"/>
+    <p:sldLayoutId id="2147483664" r:id="rId16"/>
+    <p:sldLayoutId id="2147483665" r:id="rId17"/>
   </p:sldLayoutIdLst>
   <p:hf sldNum="0" hdr="0" ftr="0" dt="0"/>
   <p:txStyles>
@@ -5598,7 +6152,7 @@
           <a:solidFill>
             <a:schemeClr val="tx2"/>
           </a:solidFill>
-          <a:latin typeface="+mj-lt"/>
+          <a:latin typeface="宋体" panose="02010600030101010101" pitchFamily="2" charset="-122"/>
           <a:ea typeface="+mj-ea"/>
           <a:cs typeface="+mj-cs"/>
         </a:defRPr>
@@ -5681,7 +6235,7 @@
           <a:solidFill>
             <a:schemeClr val="tx1"/>
           </a:solidFill>
-          <a:latin typeface="+mj-lt"/>
+          <a:latin typeface="宋体" panose="02010600030101010101" pitchFamily="2" charset="-122"/>
           <a:ea typeface="+mj-ea"/>
           <a:cs typeface="+mj-cs"/>
         </a:defRPr>
@@ -5706,7 +6260,7 @@
           <a:solidFill>
             <a:schemeClr val="tx1"/>
           </a:solidFill>
-          <a:latin typeface="+mj-lt"/>
+          <a:latin typeface="宋体" panose="02010600030101010101" pitchFamily="2" charset="-122"/>
           <a:ea typeface="+mj-ea"/>
           <a:cs typeface="+mj-cs"/>
         </a:defRPr>
@@ -5731,7 +6285,7 @@
           <a:solidFill>
             <a:schemeClr val="tx1"/>
           </a:solidFill>
-          <a:latin typeface="+mj-lt"/>
+          <a:latin typeface="宋体" panose="02010600030101010101" pitchFamily="2" charset="-122"/>
           <a:ea typeface="+mj-ea"/>
           <a:cs typeface="+mj-cs"/>
         </a:defRPr>
@@ -5756,7 +6310,7 @@
           <a:solidFill>
             <a:schemeClr val="tx1"/>
           </a:solidFill>
-          <a:latin typeface="+mj-lt"/>
+          <a:latin typeface="宋体" panose="02010600030101010101" pitchFamily="2" charset="-122"/>
           <a:ea typeface="+mj-ea"/>
           <a:cs typeface="+mj-cs"/>
         </a:defRPr>
@@ -5781,12 +6335,12 @@
           <a:solidFill>
             <a:schemeClr val="tx1"/>
           </a:solidFill>
-          <a:latin typeface="+mj-lt"/>
+          <a:latin typeface="宋体" panose="02010600030101010101" pitchFamily="2" charset="-122"/>
           <a:ea typeface="+mj-ea"/>
           <a:cs typeface="+mj-cs"/>
         </a:defRPr>
       </a:lvl5pPr>
-      <a:lvl6pPr marL="2506000" indent="-228600" algn="l" defTabSz="457200" rtl="0" eaLnBrk="1" latinLnBrk="0" hangingPunct="1">
+      <a:lvl6pPr marL="2505710" indent="-228600" algn="l" defTabSz="457200" rtl="0" eaLnBrk="1" latinLnBrk="0" hangingPunct="1">
         <a:spcBef>
           <a:spcPts val="1000"/>
         </a:spcBef>
@@ -6005,13 +6559,7 @@
       </p:grpSpPr>
       <p:sp>
         <p:nvSpPr>
-          <p:cNvPr id="2" name="标题 1">
-            <a:extLst>
-              <a:ext uri="{FF2B5EF4-FFF2-40B4-BE49-F238E27FC236}">
-                <a16:creationId xmlns:a16="http://schemas.microsoft.com/office/drawing/2014/main" id="{C5882A75-811E-4DD6-9972-F879ADCB56CE}"/>
-              </a:ext>
-            </a:extLst>
-          </p:cNvPr>
+          <p:cNvPr id="2" name="标题 1"/>
           <p:cNvSpPr>
             <a:spLocks noGrp="1"/>
           </p:cNvSpPr>
@@ -6028,18 +6576,13 @@
               <a:rPr lang="zh-CN" altLang="en-US" dirty="0"/>
               <a:t>分布式配置中心</a:t>
             </a:r>
-          </a:p>
-        </p:txBody>
-      </p:sp>
-      <p:sp>
-        <p:nvSpPr>
-          <p:cNvPr id="3" name="副标题 2">
-            <a:extLst>
-              <a:ext uri="{FF2B5EF4-FFF2-40B4-BE49-F238E27FC236}">
-                <a16:creationId xmlns:a16="http://schemas.microsoft.com/office/drawing/2014/main" id="{4A565C74-ECCF-49C1-9D03-1E598981089C}"/>
-              </a:ext>
-            </a:extLst>
-          </p:cNvPr>
+            <a:endParaRPr lang="zh-CN" altLang="en-US" dirty="0"/>
+          </a:p>
+        </p:txBody>
+      </p:sp>
+      <p:sp>
+        <p:nvSpPr>
+          <p:cNvPr id="3" name="副标题 2"/>
           <p:cNvSpPr>
             <a:spLocks noGrp="1"/>
           </p:cNvSpPr>
@@ -6057,11 +6600,689 @@
         </p:txBody>
       </p:sp>
     </p:spTree>
-    <p:extLst>
-      <p:ext uri="{BB962C8B-B14F-4D97-AF65-F5344CB8AC3E}">
-        <p14:creationId xmlns:p14="http://schemas.microsoft.com/office/powerpoint/2010/main" val="2370351520"/>
-      </p:ext>
-    </p:extLst>
+  </p:cSld>
+  <p:clrMapOvr>
+    <a:masterClrMapping/>
+  </p:clrMapOvr>
+</p:sld>
+</file>
+
+<file path=ppt/slides/slide10.xml><?xml version="1.0" encoding="utf-8"?>
+<p:sld xmlns:a="http://schemas.openxmlformats.org/drawingml/2006/main" xmlns:r="http://schemas.openxmlformats.org/officeDocument/2006/relationships" xmlns:p="http://schemas.openxmlformats.org/presentationml/2006/main">
+  <p:cSld>
+    <p:spTree>
+      <p:nvGrpSpPr>
+        <p:cNvPr id="1" name=""/>
+        <p:cNvGrpSpPr/>
+        <p:nvPr/>
+      </p:nvGrpSpPr>
+      <p:grpSpPr/>
+      <p:sp>
+        <p:nvSpPr>
+          <p:cNvPr id="2" name="标题 1"/>
+          <p:cNvSpPr>
+            <a:spLocks noGrp="1"/>
+          </p:cNvSpPr>
+          <p:nvPr>
+            <p:ph type="title"/>
+          </p:nvPr>
+        </p:nvSpPr>
+        <p:spPr/>
+        <p:txBody>
+          <a:bodyPr/>
+          <a:p>
+            <a:endParaRPr lang="zh-CN" altLang="en-US"/>
+          </a:p>
+        </p:txBody>
+      </p:sp>
+      <p:pic>
+        <p:nvPicPr>
+          <p:cNvPr id="4" name="内容占位符 3" descr="XXLCONF客户端架构"/>
+          <p:cNvPicPr>
+            <a:picLocks noChangeAspect="1"/>
+          </p:cNvPicPr>
+          <p:nvPr>
+            <p:ph idx="1"/>
+          </p:nvPr>
+        </p:nvPicPr>
+        <p:blipFill>
+          <a:blip r:embed="rId1"/>
+          <a:stretch>
+            <a:fillRect/>
+          </a:stretch>
+        </p:blipFill>
+        <p:spPr>
+          <a:xfrm>
+            <a:off x="2372995" y="1853565"/>
+            <a:ext cx="7101205" cy="3717290"/>
+          </a:xfrm>
+          <a:prstGeom prst="rect">
+            <a:avLst/>
+          </a:prstGeom>
+        </p:spPr>
+      </p:pic>
+      <p:sp>
+        <p:nvSpPr>
+          <p:cNvPr id="5" name="文本框 4"/>
+          <p:cNvSpPr txBox="1"/>
+          <p:nvPr/>
+        </p:nvSpPr>
+        <p:spPr>
+          <a:xfrm>
+            <a:off x="5250815" y="5890260"/>
+            <a:ext cx="1344930" cy="368300"/>
+          </a:xfrm>
+          <a:prstGeom prst="rect">
+            <a:avLst/>
+          </a:prstGeom>
+          <a:noFill/>
+        </p:spPr>
+        <p:txBody>
+          <a:bodyPr wrap="square" rtlCol="0">
+            <a:spAutoFit/>
+          </a:bodyPr>
+          <a:p>
+            <a:r>
+              <a:rPr lang="zh-CN" altLang="en-US"/>
+              <a:t>客户端架构</a:t>
+            </a:r>
+            <a:endParaRPr lang="zh-CN" altLang="en-US"/>
+          </a:p>
+        </p:txBody>
+      </p:sp>
+    </p:spTree>
+  </p:cSld>
+  <p:clrMapOvr>
+    <a:masterClrMapping/>
+  </p:clrMapOvr>
+</p:sld>
+</file>
+
+<file path=ppt/slides/slide11.xml><?xml version="1.0" encoding="utf-8"?>
+<p:sld xmlns:a="http://schemas.openxmlformats.org/drawingml/2006/main" xmlns:r="http://schemas.openxmlformats.org/officeDocument/2006/relationships" xmlns:p="http://schemas.openxmlformats.org/presentationml/2006/main">
+  <p:cSld>
+    <p:spTree>
+      <p:nvGrpSpPr>
+        <p:cNvPr id="1" name=""/>
+        <p:cNvGrpSpPr/>
+        <p:nvPr/>
+      </p:nvGrpSpPr>
+      <p:grpSpPr/>
+      <p:sp>
+        <p:nvSpPr>
+          <p:cNvPr id="2" name="标题 1"/>
+          <p:cNvSpPr>
+            <a:spLocks noGrp="1"/>
+          </p:cNvSpPr>
+          <p:nvPr>
+            <p:ph type="title"/>
+          </p:nvPr>
+        </p:nvSpPr>
+        <p:spPr/>
+        <p:txBody>
+          <a:bodyPr/>
+          <a:p>
+            <a:r>
+              <a:rPr lang="zh-CN" altLang="en-US"/>
+              <a:t>客户端实现</a:t>
+            </a:r>
+            <a:endParaRPr lang="zh-CN" altLang="en-US"/>
+          </a:p>
+        </p:txBody>
+      </p:sp>
+      <p:sp>
+        <p:nvSpPr>
+          <p:cNvPr id="3" name="内容占位符 2"/>
+          <p:cNvSpPr>
+            <a:spLocks noGrp="1"/>
+          </p:cNvSpPr>
+          <p:nvPr>
+            <p:ph idx="1"/>
+          </p:nvPr>
+        </p:nvSpPr>
+        <p:spPr>
+          <a:xfrm>
+            <a:off x="1104265" y="1805305"/>
+            <a:ext cx="8946515" cy="4845685"/>
+          </a:xfrm>
+        </p:spPr>
+        <p:txBody>
+          <a:bodyPr/>
+          <a:p>
+            <a:pPr marL="0" indent="0">
+              <a:buNone/>
+            </a:pPr>
+            <a:r>
+              <a:rPr lang="zh-CN" altLang="en-US"/>
+              <a:t>配置信息获取方式</a:t>
+            </a:r>
+            <a:endParaRPr lang="zh-CN" altLang="en-US"/>
+          </a:p>
+          <a:p>
+            <a:pPr>
+              <a:buFont typeface="Arial" panose="020B0604020202020204" pitchFamily="34" charset="0"/>
+              <a:buChar char="•"/>
+            </a:pPr>
+            <a:r>
+              <a:rPr lang="en-US" altLang="zh-CN" sz="1400">
+                <a:latin typeface="+mn-lt"/>
+                <a:ea typeface="+mn-lt"/>
+                <a:cs typeface="+mn-lt"/>
+              </a:rPr>
+              <a:t>XML</a:t>
+            </a:r>
+            <a:r>
+              <a:rPr lang="zh-CN" altLang="en-US" sz="1400">
+                <a:latin typeface="+mn-lt"/>
+                <a:ea typeface="+mn-lt"/>
+                <a:cs typeface="+mn-lt"/>
+              </a:rPr>
+              <a:t>点位符</a:t>
+            </a:r>
+            <a:endParaRPr lang="zh-CN" altLang="en-US" sz="1400">
+              <a:latin typeface="+mn-lt"/>
+              <a:ea typeface="+mn-lt"/>
+              <a:cs typeface="+mn-lt"/>
+            </a:endParaRPr>
+          </a:p>
+          <a:p>
+            <a:pPr marL="0" indent="0">
+              <a:buFont typeface="Arial" panose="020B0604020202020204" pitchFamily="34" charset="0"/>
+              <a:buNone/>
+            </a:pPr>
+            <a:endParaRPr lang="zh-CN" altLang="en-US"/>
+          </a:p>
+          <a:p>
+            <a:pPr>
+              <a:buFont typeface="Arial" panose="020B0604020202020204" pitchFamily="34" charset="0"/>
+              <a:buChar char="•"/>
+            </a:pPr>
+            <a:endParaRPr lang="zh-CN" altLang="en-US"/>
+          </a:p>
+          <a:p>
+            <a:pPr>
+              <a:buFont typeface="Arial" panose="020B0604020202020204" pitchFamily="34" charset="0"/>
+              <a:buChar char="•"/>
+            </a:pPr>
+            <a:r>
+              <a:rPr lang="zh-CN" altLang="en-US" sz="1400">
+                <a:latin typeface="+mn-lt"/>
+                <a:ea typeface="+mn-lt"/>
+                <a:cs typeface="+mn-lt"/>
+              </a:rPr>
+              <a:t>XxlConf注解</a:t>
+            </a:r>
+            <a:endParaRPr lang="zh-CN" altLang="en-US" sz="1400">
+              <a:latin typeface="+mn-lt"/>
+              <a:ea typeface="+mn-lt"/>
+              <a:cs typeface="+mn-lt"/>
+            </a:endParaRPr>
+          </a:p>
+          <a:p>
+            <a:endParaRPr lang="zh-CN" altLang="en-US" sz="1400">
+              <a:latin typeface="+mn-lt"/>
+              <a:ea typeface="+mn-lt"/>
+              <a:cs typeface="+mn-lt"/>
+            </a:endParaRPr>
+          </a:p>
+        </p:txBody>
+      </p:sp>
+      <p:pic>
+        <p:nvPicPr>
+          <p:cNvPr id="4" name="图片 3" descr="xxl-demo-1"/>
+          <p:cNvPicPr>
+            <a:picLocks noChangeAspect="1"/>
+          </p:cNvPicPr>
+          <p:nvPr/>
+        </p:nvPicPr>
+        <p:blipFill>
+          <a:blip r:embed="rId1"/>
+          <a:stretch>
+            <a:fillRect/>
+          </a:stretch>
+        </p:blipFill>
+        <p:spPr>
+          <a:xfrm>
+            <a:off x="1433830" y="2588895"/>
+            <a:ext cx="3749040" cy="739140"/>
+          </a:xfrm>
+          <a:prstGeom prst="rect">
+            <a:avLst/>
+          </a:prstGeom>
+        </p:spPr>
+      </p:pic>
+      <p:pic>
+        <p:nvPicPr>
+          <p:cNvPr id="5" name="图片 4" descr="xxl-demo-2"/>
+          <p:cNvPicPr>
+            <a:picLocks noChangeAspect="1"/>
+          </p:cNvPicPr>
+          <p:nvPr/>
+        </p:nvPicPr>
+        <p:blipFill>
+          <a:blip r:embed="rId2"/>
+          <a:stretch>
+            <a:fillRect/>
+          </a:stretch>
+        </p:blipFill>
+        <p:spPr>
+          <a:xfrm>
+            <a:off x="1433830" y="3824605"/>
+            <a:ext cx="6149340" cy="2308860"/>
+          </a:xfrm>
+          <a:prstGeom prst="rect">
+            <a:avLst/>
+          </a:prstGeom>
+        </p:spPr>
+      </p:pic>
+    </p:spTree>
+  </p:cSld>
+  <p:clrMapOvr>
+    <a:masterClrMapping/>
+  </p:clrMapOvr>
+</p:sld>
+</file>
+
+<file path=ppt/slides/slide12.xml><?xml version="1.0" encoding="utf-8"?>
+<p:sld xmlns:a="http://schemas.openxmlformats.org/drawingml/2006/main" xmlns:r="http://schemas.openxmlformats.org/officeDocument/2006/relationships" xmlns:p="http://schemas.openxmlformats.org/presentationml/2006/main">
+  <p:cSld>
+    <p:spTree>
+      <p:nvGrpSpPr>
+        <p:cNvPr id="1" name=""/>
+        <p:cNvGrpSpPr/>
+        <p:nvPr/>
+      </p:nvGrpSpPr>
+      <p:grpSpPr/>
+      <p:sp>
+        <p:nvSpPr>
+          <p:cNvPr id="2" name="标题 1"/>
+          <p:cNvSpPr>
+            <a:spLocks noGrp="1"/>
+          </p:cNvSpPr>
+          <p:nvPr>
+            <p:ph type="title"/>
+          </p:nvPr>
+        </p:nvSpPr>
+        <p:spPr>
+          <a:xfrm>
+            <a:off x="1333500" y="731520"/>
+            <a:ext cx="8159750" cy="1400810"/>
+          </a:xfrm>
+        </p:spPr>
+        <p:txBody>
+          <a:bodyPr/>
+          <a:p>
+            <a:r>
+              <a:rPr lang="zh-CN" altLang="en-US" sz="2000">
+                <a:latin typeface="+mn-lt"/>
+                <a:ea typeface="+mn-lt"/>
+                <a:cs typeface="+mn-lt"/>
+              </a:rPr>
+              <a:t>注解处理</a:t>
+            </a:r>
+            <a:br>
+              <a:rPr lang="zh-CN" altLang="en-US" sz="2000">
+                <a:latin typeface="+mn-lt"/>
+                <a:ea typeface="+mn-lt"/>
+                <a:cs typeface="+mn-lt"/>
+              </a:rPr>
+            </a:br>
+            <a:br>
+              <a:rPr lang="zh-CN" altLang="en-US" sz="2400"/>
+            </a:br>
+            <a:r>
+              <a:rPr lang="zh-CN" altLang="en-US" sz="1400">
+                <a:latin typeface="+mn-lt"/>
+                <a:ea typeface="+mn-lt"/>
+                <a:cs typeface="+mn-lt"/>
+              </a:rPr>
+              <a:t>使用</a:t>
+            </a:r>
+            <a:r>
+              <a:rPr lang="en-US" altLang="zh-CN" sz="1400">
+                <a:latin typeface="+mn-lt"/>
+                <a:ea typeface="+mn-lt"/>
+                <a:cs typeface="+mn-lt"/>
+              </a:rPr>
+              <a:t>xxl-conf</a:t>
+            </a:r>
+            <a:r>
+              <a:rPr lang="zh-CN" altLang="en-US" sz="1400">
+                <a:latin typeface="+mn-lt"/>
+                <a:ea typeface="+mn-lt"/>
+                <a:cs typeface="+mn-lt"/>
+              </a:rPr>
+              <a:t>客户端时，要实例化类XxlConfFactory，</a:t>
+            </a:r>
+            <a:r>
+              <a:rPr lang="zh-CN" altLang="en-US" sz="1400">
+                <a:latin typeface="+mn-lt"/>
+                <a:ea typeface="+mn-lt"/>
+                <a:cs typeface="+mn-lt"/>
+                <a:sym typeface="+mn-ea"/>
+              </a:rPr>
+              <a:t>XxlConfFactory对象会</a:t>
+            </a:r>
+            <a:r>
+              <a:rPr lang="en-US" altLang="zh-CN" sz="1400">
+                <a:latin typeface="+mn-lt"/>
+                <a:ea typeface="+mn-lt"/>
+                <a:cs typeface="+mn-lt"/>
+                <a:sym typeface="+mn-ea"/>
+              </a:rPr>
+              <a:t>Spring</a:t>
+            </a:r>
+            <a:r>
+              <a:rPr lang="zh-CN" altLang="en-US" sz="1400">
+                <a:latin typeface="+mn-lt"/>
+                <a:ea typeface="+mn-lt"/>
+                <a:cs typeface="+mn-lt"/>
+                <a:sym typeface="+mn-ea"/>
+              </a:rPr>
+              <a:t>容器实例化</a:t>
+            </a:r>
+            <a:r>
+              <a:rPr lang="en-US" altLang="zh-CN" sz="1400">
+                <a:latin typeface="+mn-lt"/>
+                <a:ea typeface="+mn-lt"/>
+                <a:cs typeface="+mn-lt"/>
+                <a:sym typeface="+mn-ea"/>
+              </a:rPr>
+              <a:t>bean</a:t>
+            </a:r>
+            <a:r>
+              <a:rPr lang="zh-CN" altLang="en-US" sz="1400">
+                <a:latin typeface="+mn-lt"/>
+                <a:ea typeface="+mn-lt"/>
+                <a:cs typeface="+mn-lt"/>
+                <a:sym typeface="+mn-ea"/>
+              </a:rPr>
+              <a:t>以及设置</a:t>
+            </a:r>
+            <a:r>
+              <a:rPr lang="en-US" altLang="zh-CN" sz="1400">
+                <a:latin typeface="+mn-lt"/>
+                <a:ea typeface="+mn-lt"/>
+                <a:cs typeface="+mn-lt"/>
+                <a:sym typeface="+mn-ea"/>
+              </a:rPr>
+              <a:t>bean</a:t>
+            </a:r>
+            <a:r>
+              <a:rPr lang="zh-CN" altLang="en-US" sz="1400">
+                <a:latin typeface="+mn-lt"/>
+                <a:ea typeface="+mn-lt"/>
+                <a:cs typeface="+mn-lt"/>
+                <a:sym typeface="+mn-ea"/>
+              </a:rPr>
+              <a:t>属性时对查找对应的配置。</a:t>
+            </a:r>
+            <a:endParaRPr lang="zh-CN" altLang="en-US" sz="1400">
+              <a:latin typeface="+mn-lt"/>
+              <a:ea typeface="+mn-lt"/>
+              <a:cs typeface="+mn-lt"/>
+              <a:sym typeface="+mn-ea"/>
+            </a:endParaRPr>
+          </a:p>
+        </p:txBody>
+      </p:sp>
+      <p:pic>
+        <p:nvPicPr>
+          <p:cNvPr id="6" name="内容占位符 5" descr="xxl-annotation"/>
+          <p:cNvPicPr>
+            <a:picLocks noChangeAspect="1"/>
+          </p:cNvPicPr>
+          <p:nvPr>
+            <p:ph idx="1"/>
+          </p:nvPr>
+        </p:nvPicPr>
+        <p:blipFill>
+          <a:blip r:embed="rId1"/>
+          <a:stretch>
+            <a:fillRect/>
+          </a:stretch>
+        </p:blipFill>
+        <p:spPr>
+          <a:xfrm>
+            <a:off x="1724025" y="2409190"/>
+            <a:ext cx="7703820" cy="3482340"/>
+          </a:xfrm>
+          <a:prstGeom prst="rect">
+            <a:avLst/>
+          </a:prstGeom>
+        </p:spPr>
+      </p:pic>
+    </p:spTree>
+  </p:cSld>
+  <p:clrMapOvr>
+    <a:masterClrMapping/>
+  </p:clrMapOvr>
+</p:sld>
+</file>
+
+<file path=ppt/slides/slide13.xml><?xml version="1.0" encoding="utf-8"?>
+<p:sld xmlns:a="http://schemas.openxmlformats.org/drawingml/2006/main" xmlns:r="http://schemas.openxmlformats.org/officeDocument/2006/relationships" xmlns:p="http://schemas.openxmlformats.org/presentationml/2006/main">
+  <p:cSld>
+    <p:spTree>
+      <p:nvGrpSpPr>
+        <p:cNvPr id="1" name=""/>
+        <p:cNvGrpSpPr/>
+        <p:nvPr/>
+      </p:nvGrpSpPr>
+      <p:grpSpPr/>
+      <p:sp>
+        <p:nvSpPr>
+          <p:cNvPr id="2" name="标题 1"/>
+          <p:cNvSpPr>
+            <a:spLocks noGrp="1"/>
+          </p:cNvSpPr>
+          <p:nvPr>
+            <p:ph type="title"/>
+          </p:nvPr>
+        </p:nvSpPr>
+        <p:spPr/>
+        <p:txBody>
+          <a:bodyPr/>
+          <a:p>
+            <a:endParaRPr lang="zh-CN" altLang="en-US"/>
+          </a:p>
+        </p:txBody>
+      </p:sp>
+      <p:pic>
+        <p:nvPicPr>
+          <p:cNvPr id="4" name="内容占位符 3" descr="xxl-xml"/>
+          <p:cNvPicPr>
+            <a:picLocks noChangeAspect="1"/>
+          </p:cNvPicPr>
+          <p:nvPr>
+            <p:ph idx="1"/>
+          </p:nvPr>
+        </p:nvPicPr>
+        <p:blipFill>
+          <a:blip r:embed="rId1"/>
+          <a:stretch>
+            <a:fillRect/>
+          </a:stretch>
+        </p:blipFill>
+        <p:spPr>
+          <a:xfrm>
+            <a:off x="1772285" y="2052955"/>
+            <a:ext cx="7607300" cy="4195445"/>
+          </a:xfrm>
+          <a:prstGeom prst="rect">
+            <a:avLst/>
+          </a:prstGeom>
+        </p:spPr>
+      </p:pic>
+    </p:spTree>
+  </p:cSld>
+  <p:clrMapOvr>
+    <a:masterClrMapping/>
+  </p:clrMapOvr>
+</p:sld>
+</file>
+
+<file path=ppt/slides/slide14.xml><?xml version="1.0" encoding="utf-8"?>
+<p:sld xmlns:a="http://schemas.openxmlformats.org/drawingml/2006/main" xmlns:r="http://schemas.openxmlformats.org/officeDocument/2006/relationships" xmlns:p="http://schemas.openxmlformats.org/presentationml/2006/main">
+  <p:cSld>
+    <p:spTree>
+      <p:nvGrpSpPr>
+        <p:cNvPr id="1" name=""/>
+        <p:cNvGrpSpPr/>
+        <p:nvPr/>
+      </p:nvGrpSpPr>
+      <p:grpSpPr/>
+      <p:sp>
+        <p:nvSpPr>
+          <p:cNvPr id="2" name="标题 1"/>
+          <p:cNvSpPr>
+            <a:spLocks noGrp="1"/>
+          </p:cNvSpPr>
+          <p:nvPr>
+            <p:ph type="title"/>
+          </p:nvPr>
+        </p:nvSpPr>
+        <p:spPr>
+          <a:xfrm>
+            <a:off x="645795" y="452755"/>
+            <a:ext cx="9404985" cy="744855"/>
+          </a:xfrm>
+        </p:spPr>
+        <p:txBody>
+          <a:bodyPr/>
+          <a:p>
+            <a:r>
+              <a:rPr lang="zh-CN" altLang="en-US">
+                <a:sym typeface="+mn-ea"/>
+              </a:rPr>
+              <a:t>服务端实现</a:t>
+            </a:r>
+            <a:br>
+              <a:rPr lang="zh-CN" altLang="en-US">
+                <a:sym typeface="+mn-ea"/>
+              </a:rPr>
+            </a:br>
+            <a:endParaRPr lang="zh-CN" altLang="en-US" sz="1800">
+              <a:sym typeface="+mn-ea"/>
+            </a:endParaRPr>
+          </a:p>
+        </p:txBody>
+      </p:sp>
+      <p:pic>
+        <p:nvPicPr>
+          <p:cNvPr id="4" name="内容占位符 3" descr="server"/>
+          <p:cNvPicPr>
+            <a:picLocks noChangeAspect="1"/>
+          </p:cNvPicPr>
+          <p:nvPr>
+            <p:ph idx="1"/>
+          </p:nvPr>
+        </p:nvPicPr>
+        <p:blipFill>
+          <a:blip r:embed="rId1"/>
+          <a:stretch>
+            <a:fillRect/>
+          </a:stretch>
+        </p:blipFill>
+        <p:spPr>
+          <a:xfrm>
+            <a:off x="1033145" y="2113915"/>
+            <a:ext cx="8935720" cy="4195445"/>
+          </a:xfrm>
+          <a:prstGeom prst="rect">
+            <a:avLst/>
+          </a:prstGeom>
+        </p:spPr>
+      </p:pic>
+      <p:sp>
+        <p:nvSpPr>
+          <p:cNvPr id="5" name="文本框 4"/>
+          <p:cNvSpPr txBox="1"/>
+          <p:nvPr/>
+        </p:nvSpPr>
+        <p:spPr>
+          <a:xfrm>
+            <a:off x="879475" y="1268730"/>
+            <a:ext cx="9170670" cy="368300"/>
+          </a:xfrm>
+          <a:prstGeom prst="rect">
+            <a:avLst/>
+          </a:prstGeom>
+          <a:noFill/>
+        </p:spPr>
+        <p:txBody>
+          <a:bodyPr wrap="square" rtlCol="0">
+            <a:spAutoFit/>
+          </a:bodyPr>
+          <a:p>
+            <a:r>
+              <a:rPr lang="zh-CN" altLang="en-US">
+                <a:sym typeface="+mn-ea"/>
+              </a:rPr>
+              <a:t>通过</a:t>
+            </a:r>
+            <a:r>
+              <a:rPr lang="en-US" altLang="zh-CN">
+                <a:sym typeface="+mn-ea"/>
+              </a:rPr>
+              <a:t>DeferredResult</a:t>
+            </a:r>
+            <a:r>
+              <a:rPr lang="zh-CN" altLang="en-US">
+                <a:sym typeface="+mn-ea"/>
+              </a:rPr>
+              <a:t>实现对配置变动的及时响应。</a:t>
+            </a:r>
+            <a:endParaRPr lang="zh-CN" altLang="en-US"/>
+          </a:p>
+        </p:txBody>
+      </p:sp>
+    </p:spTree>
+  </p:cSld>
+  <p:clrMapOvr>
+    <a:masterClrMapping/>
+  </p:clrMapOvr>
+</p:sld>
+</file>
+
+<file path=ppt/slides/slide15.xml><?xml version="1.0" encoding="utf-8"?>
+<p:sld xmlns:a="http://schemas.openxmlformats.org/drawingml/2006/main" xmlns:r="http://schemas.openxmlformats.org/officeDocument/2006/relationships" xmlns:p="http://schemas.openxmlformats.org/presentationml/2006/main">
+  <p:cSld>
+    <p:spTree>
+      <p:nvGrpSpPr>
+        <p:cNvPr id="1" name=""/>
+        <p:cNvGrpSpPr/>
+        <p:nvPr/>
+      </p:nvGrpSpPr>
+      <p:grpSpPr/>
+      <p:sp>
+        <p:nvSpPr>
+          <p:cNvPr id="2" name="标题 1"/>
+          <p:cNvSpPr>
+            <a:spLocks noGrp="1"/>
+          </p:cNvSpPr>
+          <p:nvPr>
+            <p:ph type="title"/>
+          </p:nvPr>
+        </p:nvSpPr>
+        <p:spPr>
+          <a:xfrm>
+            <a:off x="5013960" y="2639695"/>
+            <a:ext cx="2163445" cy="1418590"/>
+          </a:xfrm>
+        </p:spPr>
+        <p:txBody>
+          <a:bodyPr/>
+          <a:p>
+            <a:r>
+              <a:rPr lang="zh-CN" altLang="en-US" sz="7200"/>
+              <a:t>谢谢</a:t>
+            </a:r>
+            <a:endParaRPr lang="zh-CN" altLang="en-US" sz="7200"/>
+          </a:p>
+        </p:txBody>
+      </p:sp>
+    </p:spTree>
   </p:cSld>
   <p:clrMapOvr>
     <a:masterClrMapping/>
@@ -6088,13 +7309,7 @@
       </p:grpSpPr>
       <p:sp>
         <p:nvSpPr>
-          <p:cNvPr id="2" name="标题 1">
-            <a:extLst>
-              <a:ext uri="{FF2B5EF4-FFF2-40B4-BE49-F238E27FC236}">
-                <a16:creationId xmlns:a16="http://schemas.microsoft.com/office/drawing/2014/main" id="{34CE2CAE-4A76-4C1C-9FAC-265BBDDF49AA}"/>
-              </a:ext>
-            </a:extLst>
-          </p:cNvPr>
+          <p:cNvPr id="2" name="标题 1"/>
           <p:cNvSpPr>
             <a:spLocks noGrp="1"/>
           </p:cNvSpPr>
@@ -6111,18 +7326,13 @@
               <a:rPr lang="zh-CN" altLang="en-US" dirty="0"/>
               <a:t>配置中心需要解决的问题</a:t>
             </a:r>
-          </a:p>
-        </p:txBody>
-      </p:sp>
-      <p:sp>
-        <p:nvSpPr>
-          <p:cNvPr id="3" name="内容占位符 2">
-            <a:extLst>
-              <a:ext uri="{FF2B5EF4-FFF2-40B4-BE49-F238E27FC236}">
-                <a16:creationId xmlns:a16="http://schemas.microsoft.com/office/drawing/2014/main" id="{12E7947E-73EF-4BFD-9FE7-6C81CB489C5E}"/>
-              </a:ext>
-            </a:extLst>
-          </p:cNvPr>
+            <a:endParaRPr lang="zh-CN" altLang="en-US" dirty="0"/>
+          </a:p>
+        </p:txBody>
+      </p:sp>
+      <p:sp>
+        <p:nvSpPr>
+          <p:cNvPr id="3" name="内容占位符 2"/>
           <p:cNvSpPr>
             <a:spLocks noGrp="1"/>
           </p:cNvSpPr>
@@ -6135,42 +7345,829 @@
           <a:bodyPr/>
           <a:lstStyle/>
           <a:p>
+            <a:pPr>
+              <a:buFont typeface="Wingdings" panose="05000000000000000000" charset="0"/>
+              <a:buChar char="Ø"/>
+            </a:pPr>
             <a:r>
               <a:rPr lang="zh-CN" altLang="en-US" dirty="0"/>
               <a:t>应用代码与配置信息耦合，更改配置信息就需要重新打包应用。</a:t>
             </a:r>
-          </a:p>
-          <a:p>
+            <a:endParaRPr lang="zh-CN" altLang="en-US" dirty="0"/>
+          </a:p>
+          <a:p>
+            <a:pPr>
+              <a:buFont typeface="Wingdings" panose="05000000000000000000" charset="0"/>
+              <a:buChar char="Ø"/>
+            </a:pPr>
             <a:r>
               <a:rPr lang="zh-CN" altLang="en-US" dirty="0"/>
               <a:t>各应用配置信息分散，管理维护成本高。</a:t>
             </a:r>
-          </a:p>
-          <a:p>
+            <a:endParaRPr lang="zh-CN" altLang="en-US" dirty="0"/>
+          </a:p>
+          <a:p>
+            <a:pPr>
+              <a:buFont typeface="Wingdings" panose="05000000000000000000" charset="0"/>
+              <a:buChar char="Ø"/>
+            </a:pPr>
             <a:r>
               <a:rPr lang="zh-CN" altLang="en-US" dirty="0"/>
               <a:t>修改配置信息时，应用无法动态更新配置信息。</a:t>
             </a:r>
-          </a:p>
-          <a:p>
+            <a:endParaRPr lang="zh-CN" altLang="en-US" dirty="0"/>
+          </a:p>
+          <a:p>
+            <a:pPr>
+              <a:buFont typeface="Wingdings" panose="05000000000000000000" charset="0"/>
+              <a:buChar char="Ø"/>
+            </a:pPr>
             <a:r>
               <a:rPr lang="zh-CN" altLang="en-US" dirty="0"/>
               <a:t>应用集群部署时，各节点不能及时同步。</a:t>
             </a:r>
+            <a:endParaRPr lang="zh-CN" altLang="en-US" dirty="0"/>
           </a:p>
         </p:txBody>
       </p:sp>
     </p:spTree>
-    <p:extLst>
-      <p:ext uri="{BB962C8B-B14F-4D97-AF65-F5344CB8AC3E}">
-        <p14:creationId xmlns:p14="http://schemas.microsoft.com/office/powerpoint/2010/main" val="2425233781"/>
-      </p:ext>
-    </p:extLst>
   </p:cSld>
   <p:clrMapOvr>
     <a:masterClrMapping/>
   </p:clrMapOvr>
 </p:sld>
+</file>
+
+<file path=ppt/slides/slide3.xml><?xml version="1.0" encoding="utf-8"?>
+<p:sld xmlns:a="http://schemas.openxmlformats.org/drawingml/2006/main" xmlns:r="http://schemas.openxmlformats.org/officeDocument/2006/relationships" xmlns:p="http://schemas.openxmlformats.org/presentationml/2006/main">
+  <p:cSld>
+    <p:spTree>
+      <p:nvGrpSpPr>
+        <p:cNvPr id="1" name=""/>
+        <p:cNvGrpSpPr/>
+        <p:nvPr/>
+      </p:nvGrpSpPr>
+      <p:grpSpPr/>
+      <p:sp>
+        <p:nvSpPr>
+          <p:cNvPr id="2" name="标题 1"/>
+          <p:cNvSpPr>
+            <a:spLocks noGrp="1"/>
+          </p:cNvSpPr>
+          <p:nvPr>
+            <p:ph type="title"/>
+          </p:nvPr>
+        </p:nvSpPr>
+        <p:spPr/>
+        <p:txBody>
+          <a:bodyPr/>
+          <a:p>
+            <a:r>
+              <a:rPr lang="zh-CN" altLang="en-US"/>
+              <a:t>常用配置中心框架</a:t>
+            </a:r>
+            <a:endParaRPr lang="zh-CN" altLang="en-US"/>
+          </a:p>
+        </p:txBody>
+      </p:sp>
+      <p:sp>
+        <p:nvSpPr>
+          <p:cNvPr id="3" name="内容占位符 2"/>
+          <p:cNvSpPr>
+            <a:spLocks noGrp="1"/>
+          </p:cNvSpPr>
+          <p:nvPr>
+            <p:ph idx="1"/>
+          </p:nvPr>
+        </p:nvSpPr>
+        <p:spPr>
+          <a:xfrm>
+            <a:off x="1022667" y="1805268"/>
+            <a:ext cx="8946541" cy="4195481"/>
+          </a:xfrm>
+        </p:spPr>
+        <p:txBody>
+          <a:bodyPr>
+            <a:normAutofit lnSpcReduction="20000"/>
+          </a:bodyPr>
+          <a:p>
+            <a:pPr>
+              <a:buFont typeface="Wingdings" panose="05000000000000000000" charset="0"/>
+              <a:buChar char="l"/>
+            </a:pPr>
+            <a:r>
+              <a:rPr lang="en-US" altLang="zh-CN"/>
+              <a:t>apollo</a:t>
+            </a:r>
+            <a:endParaRPr lang="en-US" altLang="zh-CN"/>
+          </a:p>
+          <a:p>
+            <a:pPr>
+              <a:buNone/>
+            </a:pPr>
+            <a:r>
+              <a:rPr lang="en-US" altLang="zh-CN"/>
+              <a:t>   携程框架部门研发的分布式配置中心，能够集中化管理应用不同环境、不同集群的配置，配置修改后能够实时推送到应用端，并且具备规范的权限、流程治理等特性。</a:t>
+            </a:r>
+            <a:endParaRPr lang="en-US" altLang="zh-CN"/>
+          </a:p>
+          <a:p>
+            <a:pPr>
+              <a:buNone/>
+            </a:pPr>
+            <a:endParaRPr lang="en-US" altLang="zh-CN"/>
+          </a:p>
+          <a:p>
+            <a:pPr>
+              <a:buFont typeface="Wingdings" panose="05000000000000000000" charset="0"/>
+              <a:buChar char="l"/>
+            </a:pPr>
+            <a:r>
+              <a:rPr lang="en-US" altLang="zh-CN"/>
+              <a:t>nacos</a:t>
+            </a:r>
+            <a:endParaRPr lang="en-US" altLang="zh-CN"/>
+          </a:p>
+          <a:p>
+            <a:pPr>
+              <a:buNone/>
+            </a:pPr>
+            <a:r>
+              <a:rPr lang="en-US" altLang="zh-CN"/>
+              <a:t>   阿里开源的配置中心，集成注册中心、配置中心功能，且部署简单，方便管理和监控。</a:t>
+            </a:r>
+            <a:endParaRPr lang="en-US" altLang="zh-CN"/>
+          </a:p>
+          <a:p>
+            <a:pPr marL="0" indent="0">
+              <a:buNone/>
+            </a:pPr>
+            <a:endParaRPr lang="en-US" altLang="zh-CN"/>
+          </a:p>
+          <a:p>
+            <a:pPr>
+              <a:buFont typeface="Wingdings" panose="05000000000000000000" charset="0"/>
+              <a:buChar char="l"/>
+            </a:pPr>
+            <a:r>
+              <a:rPr lang="en-US" altLang="zh-CN"/>
+              <a:t>disconf</a:t>
+            </a:r>
+            <a:endParaRPr lang="en-US" altLang="zh-CN"/>
+          </a:p>
+          <a:p>
+            <a:pPr>
+              <a:buNone/>
+            </a:pPr>
+            <a:r>
+              <a:rPr lang="en-US" altLang="zh-CN"/>
+              <a:t>百度开源的配置管理中心，基本zookeeper来实现对配置的实时监控。目前已经不维护。</a:t>
+            </a:r>
+            <a:endParaRPr lang="en-US" altLang="zh-CN"/>
+          </a:p>
+          <a:p>
+            <a:pPr marL="0" indent="0">
+              <a:buNone/>
+            </a:pPr>
+            <a:endParaRPr lang="en-US" altLang="zh-CN"/>
+          </a:p>
+          <a:p>
+            <a:endParaRPr lang="en-US" altLang="zh-CN"/>
+          </a:p>
+          <a:p>
+            <a:endParaRPr lang="en-US" altLang="zh-CN"/>
+          </a:p>
+          <a:p>
+            <a:endParaRPr lang="en-US" altLang="zh-CN"/>
+          </a:p>
+        </p:txBody>
+      </p:sp>
+    </p:spTree>
+  </p:cSld>
+  <p:clrMapOvr>
+    <a:masterClrMapping/>
+  </p:clrMapOvr>
+</p:sld>
+</file>
+
+<file path=ppt/slides/slide4.xml><?xml version="1.0" encoding="utf-8"?>
+<p:sld xmlns:a="http://schemas.openxmlformats.org/drawingml/2006/main" xmlns:r="http://schemas.openxmlformats.org/officeDocument/2006/relationships" xmlns:p="http://schemas.openxmlformats.org/presentationml/2006/main">
+  <p:cSld>
+    <p:spTree>
+      <p:nvGrpSpPr>
+        <p:cNvPr id="1" name=""/>
+        <p:cNvGrpSpPr/>
+        <p:nvPr/>
+      </p:nvGrpSpPr>
+      <p:grpSpPr/>
+      <p:sp>
+        <p:nvSpPr>
+          <p:cNvPr id="2" name="标题 1"/>
+          <p:cNvSpPr>
+            <a:spLocks noGrp="1"/>
+          </p:cNvSpPr>
+          <p:nvPr>
+            <p:ph type="title"/>
+          </p:nvPr>
+        </p:nvSpPr>
+        <p:spPr/>
+        <p:txBody>
+          <a:bodyPr/>
+          <a:p>
+            <a:endParaRPr lang="zh-CN" altLang="en-US"/>
+          </a:p>
+        </p:txBody>
+      </p:sp>
+      <p:sp>
+        <p:nvSpPr>
+          <p:cNvPr id="3" name="内容占位符 2"/>
+          <p:cNvSpPr>
+            <a:spLocks noGrp="1"/>
+          </p:cNvSpPr>
+          <p:nvPr>
+            <p:ph idx="1"/>
+          </p:nvPr>
+        </p:nvSpPr>
+        <p:spPr/>
+        <p:txBody>
+          <a:bodyPr/>
+          <a:p>
+            <a:pPr>
+              <a:buFont typeface="Wingdings" panose="05000000000000000000" charset="0"/>
+              <a:buChar char="l"/>
+            </a:pPr>
+            <a:r>
+              <a:rPr lang="zh-CN" altLang="en-US"/>
+              <a:t>xxl-conf</a:t>
+            </a:r>
+            <a:endParaRPr lang="zh-CN" altLang="en-US"/>
+          </a:p>
+          <a:p>
+            <a:pPr>
+              <a:buNone/>
+            </a:pPr>
+            <a:r>
+              <a:rPr lang="zh-CN" altLang="en-US"/>
+              <a:t>   轻量级分布式配置管理平台，拥有"轻量级、秒级动态推送、多环境、跨语言、跨机房、配置监听、权限控制、版本回滚"等特性。</a:t>
+            </a:r>
+            <a:endParaRPr lang="zh-CN" altLang="en-US"/>
+          </a:p>
+          <a:p>
+            <a:pPr marL="0" indent="0">
+              <a:buNone/>
+            </a:pPr>
+            <a:endParaRPr lang="zh-CN" altLang="en-US"/>
+          </a:p>
+          <a:p>
+            <a:pPr>
+              <a:buFont typeface="Wingdings" panose="05000000000000000000" charset="0"/>
+              <a:buChar char="l"/>
+            </a:pPr>
+            <a:r>
+              <a:rPr lang="zh-CN" altLang="en-US"/>
+              <a:t>spring cloud config</a:t>
+            </a:r>
+            <a:endParaRPr lang="zh-CN" altLang="en-US"/>
+          </a:p>
+          <a:p>
+            <a:pPr>
+              <a:buNone/>
+            </a:pPr>
+            <a:r>
+              <a:rPr lang="en-US" altLang="zh-CN"/>
+              <a:t>   S</a:t>
+            </a:r>
+            <a:r>
+              <a:rPr lang="zh-CN" altLang="en-US"/>
+              <a:t>pring Cloud的</a:t>
+            </a:r>
+            <a:r>
+              <a:rPr lang="zh-CN" altLang="en-US"/>
+              <a:t>生态组件，可以和Spring Cloud体系无缝整合, 基于git来管理配置信息。</a:t>
+            </a:r>
+            <a:endParaRPr lang="zh-CN" altLang="en-US"/>
+          </a:p>
+        </p:txBody>
+      </p:sp>
+    </p:spTree>
+  </p:cSld>
+  <p:clrMapOvr>
+    <a:masterClrMapping/>
+  </p:clrMapOvr>
+</p:sld>
+</file>
+
+<file path=ppt/slides/slide5.xml><?xml version="1.0" encoding="utf-8"?>
+<p:sld xmlns:a="http://schemas.openxmlformats.org/drawingml/2006/main" xmlns:r="http://schemas.openxmlformats.org/officeDocument/2006/relationships" xmlns:p="http://schemas.openxmlformats.org/presentationml/2006/main">
+  <p:cSld>
+    <p:spTree>
+      <p:nvGrpSpPr>
+        <p:cNvPr id="1" name=""/>
+        <p:cNvGrpSpPr/>
+        <p:nvPr/>
+      </p:nvGrpSpPr>
+      <p:grpSpPr/>
+      <p:sp>
+        <p:nvSpPr>
+          <p:cNvPr id="2" name="标题 1"/>
+          <p:cNvSpPr>
+            <a:spLocks noGrp="1"/>
+          </p:cNvSpPr>
+          <p:nvPr>
+            <p:ph type="title"/>
+          </p:nvPr>
+        </p:nvSpPr>
+        <p:spPr>
+          <a:xfrm>
+            <a:off x="645795" y="452755"/>
+            <a:ext cx="9404985" cy="967105"/>
+          </a:xfrm>
+        </p:spPr>
+        <p:txBody>
+          <a:bodyPr/>
+          <a:p>
+            <a:r>
+              <a:rPr lang="zh-CN" altLang="en-US"/>
+              <a:t>配置中心实现架构</a:t>
+            </a:r>
+            <a:endParaRPr lang="zh-CN" altLang="en-US"/>
+          </a:p>
+        </p:txBody>
+      </p:sp>
+      <p:sp>
+        <p:nvSpPr>
+          <p:cNvPr id="3" name="内容占位符 2"/>
+          <p:cNvSpPr>
+            <a:spLocks noGrp="1"/>
+          </p:cNvSpPr>
+          <p:nvPr>
+            <p:ph idx="1"/>
+          </p:nvPr>
+        </p:nvSpPr>
+        <p:spPr>
+          <a:xfrm>
+            <a:off x="1104265" y="1419860"/>
+            <a:ext cx="8946515" cy="4956810"/>
+          </a:xfrm>
+        </p:spPr>
+        <p:txBody>
+          <a:bodyPr/>
+          <a:p>
+            <a:pPr>
+              <a:buFont typeface="Wingdings" panose="05000000000000000000" charset="0"/>
+              <a:buChar char="p"/>
+            </a:pPr>
+            <a:r>
+              <a:rPr lang="zh-CN" altLang="en-US"/>
+              <a:t>基于</a:t>
+            </a:r>
+            <a:r>
+              <a:rPr lang="zh-CN" altLang="en-US"/>
+              <a:t>数据库</a:t>
+            </a:r>
+            <a:endParaRPr lang="zh-CN" altLang="en-US"/>
+          </a:p>
+          <a:p>
+            <a:endParaRPr lang="zh-CN" altLang="en-US"/>
+          </a:p>
+          <a:p>
+            <a:endParaRPr lang="zh-CN" altLang="en-US"/>
+          </a:p>
+        </p:txBody>
+      </p:sp>
+      <p:pic>
+        <p:nvPicPr>
+          <p:cNvPr id="4" name="图片 3" descr="D:\DB.jpgDB"/>
+          <p:cNvPicPr>
+            <a:picLocks noChangeAspect="1"/>
+          </p:cNvPicPr>
+          <p:nvPr/>
+        </p:nvPicPr>
+        <p:blipFill>
+          <a:blip r:embed="rId1"/>
+          <a:srcRect/>
+          <a:stretch>
+            <a:fillRect/>
+          </a:stretch>
+        </p:blipFill>
+        <p:spPr>
+          <a:xfrm>
+            <a:off x="2924810" y="2024380"/>
+            <a:ext cx="6342380" cy="4216400"/>
+          </a:xfrm>
+          <a:prstGeom prst="rect">
+            <a:avLst/>
+          </a:prstGeom>
+        </p:spPr>
+      </p:pic>
+    </p:spTree>
+  </p:cSld>
+  <p:clrMapOvr>
+    <a:masterClrMapping/>
+  </p:clrMapOvr>
+</p:sld>
+</file>
+
+<file path=ppt/slides/slide6.xml><?xml version="1.0" encoding="utf-8"?>
+<p:sld xmlns:a="http://schemas.openxmlformats.org/drawingml/2006/main" xmlns:r="http://schemas.openxmlformats.org/officeDocument/2006/relationships" xmlns:p="http://schemas.openxmlformats.org/presentationml/2006/main">
+  <p:cSld>
+    <p:spTree>
+      <p:nvGrpSpPr>
+        <p:cNvPr id="1" name=""/>
+        <p:cNvGrpSpPr/>
+        <p:nvPr/>
+      </p:nvGrpSpPr>
+      <p:grpSpPr/>
+      <p:sp>
+        <p:nvSpPr>
+          <p:cNvPr id="3" name="内容占位符 2"/>
+          <p:cNvSpPr>
+            <a:spLocks noGrp="1"/>
+          </p:cNvSpPr>
+          <p:nvPr>
+            <p:ph idx="1"/>
+          </p:nvPr>
+        </p:nvSpPr>
+        <p:spPr>
+          <a:xfrm>
+            <a:off x="1083945" y="1056005"/>
+            <a:ext cx="8946515" cy="5031740"/>
+          </a:xfrm>
+        </p:spPr>
+        <p:txBody>
+          <a:bodyPr/>
+          <a:p>
+            <a:pPr>
+              <a:buFont typeface="Wingdings" panose="05000000000000000000" charset="0"/>
+              <a:buChar char="p"/>
+            </a:pPr>
+            <a:r>
+              <a:rPr lang="zh-CN" altLang="en-US"/>
+              <a:t>基于</a:t>
+            </a:r>
+            <a:r>
+              <a:rPr lang="en-US" altLang="zh-CN"/>
+              <a:t>zookeeper/redis/etcd</a:t>
+            </a:r>
+            <a:endParaRPr lang="en-US" altLang="zh-CN"/>
+          </a:p>
+          <a:p>
+            <a:endParaRPr lang="en-US" altLang="zh-CN"/>
+          </a:p>
+          <a:p>
+            <a:endParaRPr lang="en-US" altLang="zh-CN"/>
+          </a:p>
+        </p:txBody>
+      </p:sp>
+      <p:pic>
+        <p:nvPicPr>
+          <p:cNvPr id="4" name="图片 3" descr="D:\ZK.jpgZK"/>
+          <p:cNvPicPr>
+            <a:picLocks noChangeAspect="1"/>
+          </p:cNvPicPr>
+          <p:nvPr/>
+        </p:nvPicPr>
+        <p:blipFill>
+          <a:blip r:embed="rId1"/>
+          <a:srcRect/>
+          <a:stretch>
+            <a:fillRect/>
+          </a:stretch>
+        </p:blipFill>
+        <p:spPr>
+          <a:xfrm>
+            <a:off x="3075305" y="1703705"/>
+            <a:ext cx="5484495" cy="4384040"/>
+          </a:xfrm>
+          <a:prstGeom prst="rect">
+            <a:avLst/>
+          </a:prstGeom>
+        </p:spPr>
+      </p:pic>
+    </p:spTree>
+  </p:cSld>
+  <p:clrMapOvr>
+    <a:masterClrMapping/>
+  </p:clrMapOvr>
+</p:sld>
+</file>
+
+<file path=ppt/slides/slide7.xml><?xml version="1.0" encoding="utf-8"?>
+<p:sld xmlns:a="http://schemas.openxmlformats.org/drawingml/2006/main" xmlns:r="http://schemas.openxmlformats.org/officeDocument/2006/relationships" xmlns:p="http://schemas.openxmlformats.org/presentationml/2006/main">
+  <p:cSld>
+    <p:spTree>
+      <p:nvGrpSpPr>
+        <p:cNvPr id="1" name=""/>
+        <p:cNvGrpSpPr/>
+        <p:nvPr/>
+      </p:nvGrpSpPr>
+      <p:grpSpPr/>
+      <p:sp>
+        <p:nvSpPr>
+          <p:cNvPr id="3" name="内容占位符 2"/>
+          <p:cNvSpPr>
+            <a:spLocks noGrp="1"/>
+          </p:cNvSpPr>
+          <p:nvPr>
+            <p:ph idx="1"/>
+          </p:nvPr>
+        </p:nvSpPr>
+        <p:spPr>
+          <a:xfrm>
+            <a:off x="1096645" y="1018540"/>
+            <a:ext cx="8946515" cy="5186680"/>
+          </a:xfrm>
+        </p:spPr>
+        <p:txBody>
+          <a:bodyPr/>
+          <a:p>
+            <a:pPr>
+              <a:buFont typeface="Wingdings" panose="05000000000000000000" charset="0"/>
+              <a:buChar char="p"/>
+            </a:pPr>
+            <a:r>
+              <a:rPr lang="zh-CN" altLang="en-US"/>
+              <a:t>基于</a:t>
+            </a:r>
+            <a:r>
+              <a:rPr lang="en-US" altLang="zh-CN"/>
+              <a:t>GIT</a:t>
+            </a:r>
+            <a:endParaRPr lang="en-US" altLang="zh-CN"/>
+          </a:p>
+        </p:txBody>
+      </p:sp>
+      <p:pic>
+        <p:nvPicPr>
+          <p:cNvPr id="4" name="图片 3" descr="D:\GIT.jpgGIT"/>
+          <p:cNvPicPr>
+            <a:picLocks noChangeAspect="1"/>
+          </p:cNvPicPr>
+          <p:nvPr/>
+        </p:nvPicPr>
+        <p:blipFill>
+          <a:blip r:embed="rId1"/>
+          <a:srcRect/>
+          <a:stretch>
+            <a:fillRect/>
+          </a:stretch>
+        </p:blipFill>
+        <p:spPr>
+          <a:xfrm>
+            <a:off x="2581910" y="1674495"/>
+            <a:ext cx="7027545" cy="4159250"/>
+          </a:xfrm>
+          <a:prstGeom prst="rect">
+            <a:avLst/>
+          </a:prstGeom>
+        </p:spPr>
+      </p:pic>
+    </p:spTree>
+  </p:cSld>
+  <p:clrMapOvr>
+    <a:masterClrMapping/>
+  </p:clrMapOvr>
+</p:sld>
+</file>
+
+<file path=ppt/slides/slide8.xml><?xml version="1.0" encoding="utf-8"?>
+<p:sld xmlns:a="http://schemas.openxmlformats.org/drawingml/2006/main" xmlns:r="http://schemas.openxmlformats.org/officeDocument/2006/relationships" xmlns:p="http://schemas.openxmlformats.org/presentationml/2006/main">
+  <p:cSld>
+    <p:spTree>
+      <p:nvGrpSpPr>
+        <p:cNvPr id="1" name=""/>
+        <p:cNvGrpSpPr/>
+        <p:nvPr/>
+      </p:nvGrpSpPr>
+      <p:grpSpPr/>
+      <p:sp>
+        <p:nvSpPr>
+          <p:cNvPr id="2" name="标题 1"/>
+          <p:cNvSpPr>
+            <a:spLocks noGrp="1"/>
+          </p:cNvSpPr>
+          <p:nvPr>
+            <p:ph type="title"/>
+          </p:nvPr>
+        </p:nvSpPr>
+        <p:spPr/>
+        <p:txBody>
+          <a:bodyPr/>
+          <a:p>
+            <a:r>
+              <a:rPr lang="en-US" altLang="zh-CN"/>
+              <a:t>XXL-CONF</a:t>
+            </a:r>
+            <a:br>
+              <a:rPr lang="en-US" altLang="zh-CN"/>
+            </a:br>
+            <a:r>
+              <a:rPr lang="zh-CN" altLang="en-US" sz="2400" b="1">
+                <a:solidFill>
+                  <a:schemeClr val="tx1"/>
+                </a:solidFill>
+              </a:rPr>
+              <a:t>主要特点</a:t>
+            </a:r>
+            <a:endParaRPr lang="zh-CN" altLang="en-US" sz="2400" b="1">
+              <a:solidFill>
+                <a:schemeClr val="tx1"/>
+              </a:solidFill>
+            </a:endParaRPr>
+          </a:p>
+        </p:txBody>
+      </p:sp>
+      <p:sp>
+        <p:nvSpPr>
+          <p:cNvPr id="3" name="内容占位符 2"/>
+          <p:cNvSpPr>
+            <a:spLocks noGrp="1"/>
+          </p:cNvSpPr>
+          <p:nvPr>
+            <p:ph idx="1"/>
+          </p:nvPr>
+        </p:nvSpPr>
+        <p:spPr/>
+        <p:txBody>
+          <a:bodyPr/>
+          <a:p>
+            <a:pPr>
+              <a:buFont typeface="Wingdings" panose="05000000000000000000" charset="0"/>
+              <a:buChar char="u"/>
+            </a:pPr>
+            <a:r>
+              <a:rPr lang="zh-CN" altLang="en-US"/>
+              <a:t>简单易用、轻量级、部署简单。</a:t>
+            </a:r>
+            <a:endParaRPr lang="zh-CN" altLang="en-US"/>
+          </a:p>
+          <a:p>
+            <a:pPr>
+              <a:buFont typeface="Wingdings" panose="05000000000000000000" charset="0"/>
+              <a:buChar char="u"/>
+            </a:pPr>
+            <a:r>
+              <a:rPr lang="zh-CN" altLang="en-US"/>
+              <a:t>可分布式集群部署、高可用。</a:t>
+            </a:r>
+            <a:endParaRPr lang="zh-CN" altLang="en-US"/>
+          </a:p>
+          <a:p>
+            <a:pPr>
+              <a:buFont typeface="Wingdings" panose="05000000000000000000" charset="0"/>
+              <a:buChar char="u"/>
+            </a:pPr>
+            <a:r>
+              <a:rPr lang="zh-CN" altLang="en-US"/>
+              <a:t>多环境、多应用配置管理、公共配置管理。</a:t>
+            </a:r>
+            <a:endParaRPr lang="zh-CN" altLang="en-US"/>
+          </a:p>
+          <a:p>
+            <a:pPr>
+              <a:buFont typeface="Wingdings" panose="05000000000000000000" charset="0"/>
+              <a:buChar char="u"/>
+            </a:pPr>
+            <a:r>
+              <a:rPr lang="zh-CN" altLang="en-US"/>
+              <a:t>高性能，使用LocalCache对</a:t>
+            </a:r>
+            <a:r>
+              <a:rPr lang="zh-CN" altLang="en-US"/>
+              <a:t>配置数据做缓存。</a:t>
+            </a:r>
+            <a:endParaRPr lang="zh-CN" altLang="en-US"/>
+          </a:p>
+          <a:p>
+            <a:pPr>
+              <a:buFont typeface="Wingdings" panose="05000000000000000000" charset="0"/>
+              <a:buChar char="u"/>
+            </a:pPr>
+            <a:r>
+              <a:rPr lang="zh-CN" altLang="en-US"/>
+              <a:t>历史版本回滚记录，可回滚历史版本。</a:t>
+            </a:r>
+            <a:endParaRPr lang="zh-CN" altLang="en-US"/>
+          </a:p>
+        </p:txBody>
+      </p:sp>
+    </p:spTree>
+  </p:cSld>
+  <p:clrMapOvr>
+    <a:masterClrMapping/>
+  </p:clrMapOvr>
+</p:sld>
+</file>
+
+<file path=ppt/slides/slide9.xml><?xml version="1.0" encoding="utf-8"?>
+<p:sld xmlns:a="http://schemas.openxmlformats.org/drawingml/2006/main" xmlns:r="http://schemas.openxmlformats.org/officeDocument/2006/relationships" xmlns:p="http://schemas.openxmlformats.org/presentationml/2006/main">
+  <p:cSld>
+    <p:spTree>
+      <p:nvGrpSpPr>
+        <p:cNvPr id="1" name=""/>
+        <p:cNvGrpSpPr/>
+        <p:nvPr/>
+      </p:nvGrpSpPr>
+      <p:grpSpPr/>
+      <p:sp>
+        <p:nvSpPr>
+          <p:cNvPr id="2" name="标题 1"/>
+          <p:cNvSpPr>
+            <a:spLocks noGrp="1"/>
+          </p:cNvSpPr>
+          <p:nvPr>
+            <p:ph type="title"/>
+          </p:nvPr>
+        </p:nvSpPr>
+        <p:spPr/>
+        <p:txBody>
+          <a:bodyPr/>
+          <a:p>
+            <a:r>
+              <a:rPr lang="en-US" altLang="zh-CN"/>
+              <a:t>XXL-CONF</a:t>
+            </a:r>
+            <a:br>
+              <a:rPr lang="en-US" altLang="zh-CN"/>
+            </a:br>
+            <a:r>
+              <a:rPr lang="zh-CN" altLang="en-US" sz="2400" b="1"/>
+              <a:t>系统架构</a:t>
+            </a:r>
+            <a:endParaRPr lang="zh-CN" altLang="en-US" sz="2400" b="1"/>
+          </a:p>
+        </p:txBody>
+      </p:sp>
+      <p:pic>
+        <p:nvPicPr>
+          <p:cNvPr id="4" name="内容占位符 3" descr="XXLCONF整体架构"/>
+          <p:cNvPicPr>
+            <a:picLocks noChangeAspect="1"/>
+          </p:cNvPicPr>
+          <p:nvPr>
+            <p:ph idx="1"/>
+            <p:custDataLst>
+              <p:tags r:id="rId1"/>
+            </p:custDataLst>
+          </p:nvPr>
+        </p:nvPicPr>
+        <p:blipFill>
+          <a:blip r:embed="rId2"/>
+          <a:stretch>
+            <a:fillRect/>
+          </a:stretch>
+        </p:blipFill>
+        <p:spPr>
+          <a:xfrm>
+            <a:off x="2150110" y="1853565"/>
+            <a:ext cx="6979920" cy="4283075"/>
+          </a:xfrm>
+          <a:prstGeom prst="rect">
+            <a:avLst/>
+          </a:prstGeom>
+        </p:spPr>
+      </p:pic>
+      <p:sp>
+        <p:nvSpPr>
+          <p:cNvPr id="5" name="文本框 4"/>
+          <p:cNvSpPr txBox="1"/>
+          <p:nvPr/>
+        </p:nvSpPr>
+        <p:spPr>
+          <a:xfrm>
+            <a:off x="5073015" y="6292215"/>
+            <a:ext cx="1134110" cy="368300"/>
+          </a:xfrm>
+          <a:prstGeom prst="rect">
+            <a:avLst/>
+          </a:prstGeom>
+          <a:noFill/>
+        </p:spPr>
+        <p:txBody>
+          <a:bodyPr wrap="square" rtlCol="0">
+            <a:spAutoFit/>
+          </a:bodyPr>
+          <a:p>
+            <a:r>
+              <a:rPr lang="zh-CN" altLang="en-US"/>
+              <a:t>整体架构</a:t>
+            </a:r>
+            <a:endParaRPr lang="zh-CN" altLang="en-US"/>
+          </a:p>
+        </p:txBody>
+      </p:sp>
+    </p:spTree>
+  </p:cSld>
+  <p:clrMapOvr>
+    <a:masterClrMapping/>
+  </p:clrMapOvr>
+</p:sld>
+</file>
+
+<file path=ppt/tags/tag1.xml><?xml version="1.0" encoding="utf-8"?>
+<p:tagLst xmlns:p="http://schemas.openxmlformats.org/presentationml/2006/main">
+  <p:tag name="KSO_WM_UNIT_PLACING_PICTURE_USER_VIEWPORT" val="{&quot;height&quot;:5860,&quot;width&quot;:9550}"/>
+</p:tagLst>
 </file>
 
 <file path=ppt/theme/theme1.xml><?xml version="1.0" encoding="utf-8"?>
@@ -6216,7 +8213,7 @@
     </a:clrScheme>
     <a:fontScheme name="Ion">
       <a:majorFont>
-        <a:latin typeface="Century Gothic" panose="020B0502020202020204"/>
+        <a:latin typeface="宋体"/>
         <a:ea typeface=""/>
         <a:cs typeface=""/>
         <a:font script="Jpan" typeface="メイリオ"/>
@@ -6251,7 +8248,7 @@
         <a:font script="Geor" typeface="Sylfaen"/>
       </a:majorFont>
       <a:minorFont>
-        <a:latin typeface="Century Gothic" panose="020B0502020202020204"/>
+        <a:latin typeface="宋体"/>
         <a:ea typeface=""/>
         <a:cs typeface=""/>
         <a:font script="Jpan" typeface="メイリオ"/>
@@ -6424,16 +8421,534 @@
               </a:schemeClr>
             </a:duotone>
           </a:blip>
-          <a:stretch/>
+          <a:stretch>
+            <a:fillRect/>
+          </a:stretch>
         </a:blipFill>
       </a:bgFillStyleLst>
     </a:fmtScheme>
   </a:themeElements>
-  <a:objectDefaults/>
-  <a:extraClrSchemeLst/>
   <a:extLst>
     <a:ext uri="{05A4C25C-085E-4340-85A3-A5531E510DB2}">
-      <thm15:themeFamily xmlns:thm15="http://schemas.microsoft.com/office/thememl/2012/main" name="Ion" id="{B8441ADB-2E43-4AF7-B97A-BD870242C6A8}" vid="{292E63A9-BB86-4E3D-B92A-7223C6510D2E}"/>
+      <thm15:themeFamily xmlns:thm15="http://schemas.microsoft.com/office/thememl/2012/main" name="Office Theme" id="{62F939B6-93AF-4DB8-9C6B-D6C7DFDC589F}" vid="{4A3C46E8-61CC-4603-A589-7422A47A8E4A}"/>
+    </a:ext>
+  </a:extLst>
+</a:theme>
+</file>
+
+<file path=ppt/theme/theme2.xml><?xml version="1.0" encoding="utf-8"?>
+<a:theme xmlns:a="http://schemas.openxmlformats.org/drawingml/2006/main" name="Office 主题">
+  <a:themeElements>
+    <a:clrScheme name="Office">
+      <a:dk1>
+        <a:sysClr val="windowText" lastClr="000000"/>
+      </a:dk1>
+      <a:lt1>
+        <a:sysClr val="window" lastClr="FFFFFF"/>
+      </a:lt1>
+      <a:dk2>
+        <a:srgbClr val="44546A"/>
+      </a:dk2>
+      <a:lt2>
+        <a:srgbClr val="E7E6E6"/>
+      </a:lt2>
+      <a:accent1>
+        <a:srgbClr val="5B9BD5"/>
+      </a:accent1>
+      <a:accent2>
+        <a:srgbClr val="ED7D31"/>
+      </a:accent2>
+      <a:accent3>
+        <a:srgbClr val="A5A5A5"/>
+      </a:accent3>
+      <a:accent4>
+        <a:srgbClr val="FFC000"/>
+      </a:accent4>
+      <a:accent5>
+        <a:srgbClr val="4472C4"/>
+      </a:accent5>
+      <a:accent6>
+        <a:srgbClr val="70AD47"/>
+      </a:accent6>
+      <a:hlink>
+        <a:srgbClr val="0563C1"/>
+      </a:hlink>
+      <a:folHlink>
+        <a:srgbClr val="954F72"/>
+      </a:folHlink>
+    </a:clrScheme>
+    <a:fontScheme name="Office">
+      <a:majorFont>
+        <a:latin typeface="Calibri Light"/>
+        <a:ea typeface=""/>
+        <a:cs typeface=""/>
+        <a:font script="Jpan" typeface="ＭＳ Ｐゴシック"/>
+        <a:font script="Hang" typeface="맑은 고딕"/>
+        <a:font script="Hans" typeface="宋体"/>
+        <a:font script="Hant" typeface="新細明體"/>
+        <a:font script="Arab" typeface="Times New Roman"/>
+        <a:font script="Hebr" typeface="Times New Roman"/>
+        <a:font script="Thai" typeface="Angsana New"/>
+        <a:font script="Ethi" typeface="Nyala"/>
+        <a:font script="Beng" typeface="Vrinda"/>
+        <a:font script="Gujr" typeface="Shruti"/>
+        <a:font script="Khmr" typeface="MoolBoran"/>
+        <a:font script="Knda" typeface="Tunga"/>
+        <a:font script="Guru" typeface="Raavi"/>
+        <a:font script="Cans" typeface="Euphemia"/>
+        <a:font script="Cher" typeface="Plantagenet Cherokee"/>
+        <a:font script="Yiii" typeface="Microsoft Yi Baiti"/>
+        <a:font script="Tibt" typeface="Microsoft Himalaya"/>
+        <a:font script="Thaa" typeface="MV Boli"/>
+        <a:font script="Deva" typeface="Mangal"/>
+        <a:font script="Telu" typeface="Gautami"/>
+        <a:font script="Taml" typeface="Latha"/>
+        <a:font script="Syrc" typeface="Estrangelo Edessa"/>
+        <a:font script="Orya" typeface="Kalinga"/>
+        <a:font script="Mlym" typeface="Kartika"/>
+        <a:font script="Laoo" typeface="DokChampa"/>
+        <a:font script="Sinh" typeface="Iskoola Pota"/>
+        <a:font script="Mong" typeface="Mongolian Baiti"/>
+        <a:font script="Viet" typeface="Times New Roman"/>
+        <a:font script="Uigh" typeface="Microsoft Uighur"/>
+        <a:font script="Geor" typeface="Sylfaen"/>
+      </a:majorFont>
+      <a:minorFont>
+        <a:latin typeface="Calibri"/>
+        <a:ea typeface=""/>
+        <a:cs typeface=""/>
+        <a:font script="Jpan" typeface="ＭＳ Ｐゴシック"/>
+        <a:font script="Hang" typeface="맑은 고딕"/>
+        <a:font script="Hans" typeface="宋体"/>
+        <a:font script="Hant" typeface="新細明體"/>
+        <a:font script="Arab" typeface="Arial"/>
+        <a:font script="Hebr" typeface="Arial"/>
+        <a:font script="Thai" typeface="Cordia New"/>
+        <a:font script="Ethi" typeface="Nyala"/>
+        <a:font script="Beng" typeface="Vrinda"/>
+        <a:font script="Gujr" typeface="Shruti"/>
+        <a:font script="Khmr" typeface="DaunPenh"/>
+        <a:font script="Knda" typeface="Tunga"/>
+        <a:font script="Guru" typeface="Raavi"/>
+        <a:font script="Cans" typeface="Euphemia"/>
+        <a:font script="Cher" typeface="Plantagenet Cherokee"/>
+        <a:font script="Yiii" typeface="Microsoft Yi Baiti"/>
+        <a:font script="Tibt" typeface="Microsoft Himalaya"/>
+        <a:font script="Thaa" typeface="MV Boli"/>
+        <a:font script="Deva" typeface="Mangal"/>
+        <a:font script="Telu" typeface="Gautami"/>
+        <a:font script="Taml" typeface="Latha"/>
+        <a:font script="Syrc" typeface="Estrangelo Edessa"/>
+        <a:font script="Orya" typeface="Kalinga"/>
+        <a:font script="Mlym" typeface="Kartika"/>
+        <a:font script="Laoo" typeface="DokChampa"/>
+        <a:font script="Sinh" typeface="Iskoola Pota"/>
+        <a:font script="Mong" typeface="Mongolian Baiti"/>
+        <a:font script="Viet" typeface="Arial"/>
+        <a:font script="Uigh" typeface="Microsoft Uighur"/>
+        <a:font script="Geor" typeface="Sylfaen"/>
+      </a:minorFont>
+    </a:fontScheme>
+    <a:fmtScheme name="Office">
+      <a:fillStyleLst>
+        <a:solidFill>
+          <a:schemeClr val="phClr"/>
+        </a:solidFill>
+        <a:gradFill rotWithShape="1">
+          <a:gsLst>
+            <a:gs pos="0">
+              <a:schemeClr val="phClr">
+                <a:lumMod val="110000"/>
+                <a:satMod val="105000"/>
+                <a:tint val="67000"/>
+              </a:schemeClr>
+            </a:gs>
+            <a:gs pos="50000">
+              <a:schemeClr val="phClr">
+                <a:lumMod val="105000"/>
+                <a:satMod val="103000"/>
+                <a:tint val="73000"/>
+              </a:schemeClr>
+            </a:gs>
+            <a:gs pos="100000">
+              <a:schemeClr val="phClr">
+                <a:lumMod val="105000"/>
+                <a:satMod val="109000"/>
+                <a:tint val="81000"/>
+              </a:schemeClr>
+            </a:gs>
+          </a:gsLst>
+          <a:lin ang="5400000" scaled="0"/>
+        </a:gradFill>
+        <a:gradFill rotWithShape="1">
+          <a:gsLst>
+            <a:gs pos="0">
+              <a:schemeClr val="phClr">
+                <a:satMod val="103000"/>
+                <a:lumMod val="102000"/>
+                <a:tint val="94000"/>
+              </a:schemeClr>
+            </a:gs>
+            <a:gs pos="50000">
+              <a:schemeClr val="phClr">
+                <a:satMod val="110000"/>
+                <a:lumMod val="100000"/>
+                <a:shade val="100000"/>
+              </a:schemeClr>
+            </a:gs>
+            <a:gs pos="100000">
+              <a:schemeClr val="phClr">
+                <a:lumMod val="99000"/>
+                <a:satMod val="120000"/>
+                <a:shade val="78000"/>
+              </a:schemeClr>
+            </a:gs>
+          </a:gsLst>
+          <a:lin ang="5400000" scaled="0"/>
+        </a:gradFill>
+      </a:fillStyleLst>
+      <a:lnStyleLst>
+        <a:ln w="6350" cap="flat" cmpd="sng" algn="ctr">
+          <a:solidFill>
+            <a:schemeClr val="phClr"/>
+          </a:solidFill>
+          <a:prstDash val="solid"/>
+          <a:miter lim="800000"/>
+        </a:ln>
+        <a:ln w="12700" cap="flat" cmpd="sng" algn="ctr">
+          <a:solidFill>
+            <a:schemeClr val="phClr"/>
+          </a:solidFill>
+          <a:prstDash val="solid"/>
+          <a:miter lim="800000"/>
+        </a:ln>
+        <a:ln w="19050" cap="flat" cmpd="sng" algn="ctr">
+          <a:solidFill>
+            <a:schemeClr val="phClr"/>
+          </a:solidFill>
+          <a:prstDash val="solid"/>
+          <a:miter lim="800000"/>
+        </a:ln>
+      </a:lnStyleLst>
+      <a:effectStyleLst>
+        <a:effectStyle>
+          <a:effectLst/>
+        </a:effectStyle>
+        <a:effectStyle>
+          <a:effectLst/>
+        </a:effectStyle>
+        <a:effectStyle>
+          <a:effectLst>
+            <a:outerShdw blurRad="57150" dist="19050" dir="5400000" algn="ctr" rotWithShape="0">
+              <a:srgbClr val="000000">
+                <a:alpha val="63000"/>
+              </a:srgbClr>
+            </a:outerShdw>
+          </a:effectLst>
+        </a:effectStyle>
+      </a:effectStyleLst>
+      <a:bgFillStyleLst>
+        <a:solidFill>
+          <a:schemeClr val="phClr"/>
+        </a:solidFill>
+        <a:solidFill>
+          <a:schemeClr val="phClr">
+            <a:tint val="95000"/>
+            <a:satMod val="170000"/>
+          </a:schemeClr>
+        </a:solidFill>
+        <a:gradFill rotWithShape="1">
+          <a:gsLst>
+            <a:gs pos="0">
+              <a:schemeClr val="phClr">
+                <a:tint val="93000"/>
+                <a:satMod val="150000"/>
+                <a:shade val="98000"/>
+                <a:lumMod val="102000"/>
+              </a:schemeClr>
+            </a:gs>
+            <a:gs pos="50000">
+              <a:schemeClr val="phClr">
+                <a:tint val="98000"/>
+                <a:satMod val="130000"/>
+                <a:shade val="90000"/>
+                <a:lumMod val="103000"/>
+              </a:schemeClr>
+            </a:gs>
+            <a:gs pos="100000">
+              <a:schemeClr val="phClr">
+                <a:shade val="63000"/>
+                <a:satMod val="120000"/>
+              </a:schemeClr>
+            </a:gs>
+          </a:gsLst>
+          <a:lin ang="5400000" scaled="0"/>
+        </a:gradFill>
+      </a:bgFillStyleLst>
+    </a:fmtScheme>
+  </a:themeElements>
+  <a:extLst>
+    <a:ext uri="{05A4C25C-085E-4340-85A3-A5531E510DB2}">
+      <thm15:themeFamily xmlns:thm15="http://schemas.microsoft.com/office/thememl/2012/main" name="Office Theme" id="{62F939B6-93AF-4DB8-9C6B-D6C7DFDC589F}" vid="{4A3C46E8-61CC-4603-A589-7422A47A8E4A}"/>
+    </a:ext>
+  </a:extLst>
+</a:theme>
+</file>
+
+<file path=ppt/theme/theme3.xml><?xml version="1.0" encoding="utf-8"?>
+<a:theme xmlns:a="http://schemas.openxmlformats.org/drawingml/2006/main" name="Office 主题">
+  <a:themeElements>
+    <a:clrScheme name="Office">
+      <a:dk1>
+        <a:sysClr val="windowText" lastClr="000000"/>
+      </a:dk1>
+      <a:lt1>
+        <a:sysClr val="window" lastClr="FFFFFF"/>
+      </a:lt1>
+      <a:dk2>
+        <a:srgbClr val="44546A"/>
+      </a:dk2>
+      <a:lt2>
+        <a:srgbClr val="E7E6E6"/>
+      </a:lt2>
+      <a:accent1>
+        <a:srgbClr val="5B9BD5"/>
+      </a:accent1>
+      <a:accent2>
+        <a:srgbClr val="ED7D31"/>
+      </a:accent2>
+      <a:accent3>
+        <a:srgbClr val="A5A5A5"/>
+      </a:accent3>
+      <a:accent4>
+        <a:srgbClr val="FFC000"/>
+      </a:accent4>
+      <a:accent5>
+        <a:srgbClr val="4472C4"/>
+      </a:accent5>
+      <a:accent6>
+        <a:srgbClr val="70AD47"/>
+      </a:accent6>
+      <a:hlink>
+        <a:srgbClr val="0563C1"/>
+      </a:hlink>
+      <a:folHlink>
+        <a:srgbClr val="954F72"/>
+      </a:folHlink>
+    </a:clrScheme>
+    <a:fontScheme name="Office">
+      <a:majorFont>
+        <a:latin typeface="Calibri Light"/>
+        <a:ea typeface=""/>
+        <a:cs typeface=""/>
+        <a:font script="Jpan" typeface="ＭＳ Ｐゴシック"/>
+        <a:font script="Hang" typeface="맑은 고딕"/>
+        <a:font script="Hans" typeface="宋体"/>
+        <a:font script="Hant" typeface="新細明體"/>
+        <a:font script="Arab" typeface="Times New Roman"/>
+        <a:font script="Hebr" typeface="Times New Roman"/>
+        <a:font script="Thai" typeface="Angsana New"/>
+        <a:font script="Ethi" typeface="Nyala"/>
+        <a:font script="Beng" typeface="Vrinda"/>
+        <a:font script="Gujr" typeface="Shruti"/>
+        <a:font script="Khmr" typeface="MoolBoran"/>
+        <a:font script="Knda" typeface="Tunga"/>
+        <a:font script="Guru" typeface="Raavi"/>
+        <a:font script="Cans" typeface="Euphemia"/>
+        <a:font script="Cher" typeface="Plantagenet Cherokee"/>
+        <a:font script="Yiii" typeface="Microsoft Yi Baiti"/>
+        <a:font script="Tibt" typeface="Microsoft Himalaya"/>
+        <a:font script="Thaa" typeface="MV Boli"/>
+        <a:font script="Deva" typeface="Mangal"/>
+        <a:font script="Telu" typeface="Gautami"/>
+        <a:font script="Taml" typeface="Latha"/>
+        <a:font script="Syrc" typeface="Estrangelo Edessa"/>
+        <a:font script="Orya" typeface="Kalinga"/>
+        <a:font script="Mlym" typeface="Kartika"/>
+        <a:font script="Laoo" typeface="DokChampa"/>
+        <a:font script="Sinh" typeface="Iskoola Pota"/>
+        <a:font script="Mong" typeface="Mongolian Baiti"/>
+        <a:font script="Viet" typeface="Times New Roman"/>
+        <a:font script="Uigh" typeface="Microsoft Uighur"/>
+        <a:font script="Geor" typeface="Sylfaen"/>
+      </a:majorFont>
+      <a:minorFont>
+        <a:latin typeface="Calibri"/>
+        <a:ea typeface=""/>
+        <a:cs typeface=""/>
+        <a:font script="Jpan" typeface="ＭＳ Ｐゴシック"/>
+        <a:font script="Hang" typeface="맑은 고딕"/>
+        <a:font script="Hans" typeface="宋体"/>
+        <a:font script="Hant" typeface="新細明體"/>
+        <a:font script="Arab" typeface="Arial"/>
+        <a:font script="Hebr" typeface="Arial"/>
+        <a:font script="Thai" typeface="Cordia New"/>
+        <a:font script="Ethi" typeface="Nyala"/>
+        <a:font script="Beng" typeface="Vrinda"/>
+        <a:font script="Gujr" typeface="Shruti"/>
+        <a:font script="Khmr" typeface="DaunPenh"/>
+        <a:font script="Knda" typeface="Tunga"/>
+        <a:font script="Guru" typeface="Raavi"/>
+        <a:font script="Cans" typeface="Euphemia"/>
+        <a:font script="Cher" typeface="Plantagenet Cherokee"/>
+        <a:font script="Yiii" typeface="Microsoft Yi Baiti"/>
+        <a:font script="Tibt" typeface="Microsoft Himalaya"/>
+        <a:font script="Thaa" typeface="MV Boli"/>
+        <a:font script="Deva" typeface="Mangal"/>
+        <a:font script="Telu" typeface="Gautami"/>
+        <a:font script="Taml" typeface="Latha"/>
+        <a:font script="Syrc" typeface="Estrangelo Edessa"/>
+        <a:font script="Orya" typeface="Kalinga"/>
+        <a:font script="Mlym" typeface="Kartika"/>
+        <a:font script="Laoo" typeface="DokChampa"/>
+        <a:font script="Sinh" typeface="Iskoola Pota"/>
+        <a:font script="Mong" typeface="Mongolian Baiti"/>
+        <a:font script="Viet" typeface="Arial"/>
+        <a:font script="Uigh" typeface="Microsoft Uighur"/>
+        <a:font script="Geor" typeface="Sylfaen"/>
+      </a:minorFont>
+    </a:fontScheme>
+    <a:fmtScheme name="Office">
+      <a:fillStyleLst>
+        <a:solidFill>
+          <a:schemeClr val="phClr"/>
+        </a:solidFill>
+        <a:gradFill rotWithShape="1">
+          <a:gsLst>
+            <a:gs pos="0">
+              <a:schemeClr val="phClr">
+                <a:lumMod val="110000"/>
+                <a:satMod val="105000"/>
+                <a:tint val="67000"/>
+              </a:schemeClr>
+            </a:gs>
+            <a:gs pos="50000">
+              <a:schemeClr val="phClr">
+                <a:lumMod val="105000"/>
+                <a:satMod val="103000"/>
+                <a:tint val="73000"/>
+              </a:schemeClr>
+            </a:gs>
+            <a:gs pos="100000">
+              <a:schemeClr val="phClr">
+                <a:lumMod val="105000"/>
+                <a:satMod val="109000"/>
+                <a:tint val="81000"/>
+              </a:schemeClr>
+            </a:gs>
+          </a:gsLst>
+          <a:lin ang="5400000" scaled="0"/>
+        </a:gradFill>
+        <a:gradFill rotWithShape="1">
+          <a:gsLst>
+            <a:gs pos="0">
+              <a:schemeClr val="phClr">
+                <a:satMod val="103000"/>
+                <a:lumMod val="102000"/>
+                <a:tint val="94000"/>
+              </a:schemeClr>
+            </a:gs>
+            <a:gs pos="50000">
+              <a:schemeClr val="phClr">
+                <a:satMod val="110000"/>
+                <a:lumMod val="100000"/>
+                <a:shade val="100000"/>
+              </a:schemeClr>
+            </a:gs>
+            <a:gs pos="100000">
+              <a:schemeClr val="phClr">
+                <a:lumMod val="99000"/>
+                <a:satMod val="120000"/>
+                <a:shade val="78000"/>
+              </a:schemeClr>
+            </a:gs>
+          </a:gsLst>
+          <a:lin ang="5400000" scaled="0"/>
+        </a:gradFill>
+      </a:fillStyleLst>
+      <a:lnStyleLst>
+        <a:ln w="6350" cap="flat" cmpd="sng" algn="ctr">
+          <a:solidFill>
+            <a:schemeClr val="phClr"/>
+          </a:solidFill>
+          <a:prstDash val="solid"/>
+          <a:miter lim="800000"/>
+        </a:ln>
+        <a:ln w="12700" cap="flat" cmpd="sng" algn="ctr">
+          <a:solidFill>
+            <a:schemeClr val="phClr"/>
+          </a:solidFill>
+          <a:prstDash val="solid"/>
+          <a:miter lim="800000"/>
+        </a:ln>
+        <a:ln w="19050" cap="flat" cmpd="sng" algn="ctr">
+          <a:solidFill>
+            <a:schemeClr val="phClr"/>
+          </a:solidFill>
+          <a:prstDash val="solid"/>
+          <a:miter lim="800000"/>
+        </a:ln>
+      </a:lnStyleLst>
+      <a:effectStyleLst>
+        <a:effectStyle>
+          <a:effectLst/>
+        </a:effectStyle>
+        <a:effectStyle>
+          <a:effectLst/>
+        </a:effectStyle>
+        <a:effectStyle>
+          <a:effectLst>
+            <a:outerShdw blurRad="57150" dist="19050" dir="5400000" algn="ctr" rotWithShape="0">
+              <a:srgbClr val="000000">
+                <a:alpha val="63000"/>
+              </a:srgbClr>
+            </a:outerShdw>
+          </a:effectLst>
+        </a:effectStyle>
+      </a:effectStyleLst>
+      <a:bgFillStyleLst>
+        <a:solidFill>
+          <a:schemeClr val="phClr"/>
+        </a:solidFill>
+        <a:solidFill>
+          <a:schemeClr val="phClr">
+            <a:tint val="95000"/>
+            <a:satMod val="170000"/>
+          </a:schemeClr>
+        </a:solidFill>
+        <a:gradFill rotWithShape="1">
+          <a:gsLst>
+            <a:gs pos="0">
+              <a:schemeClr val="phClr">
+                <a:tint val="93000"/>
+                <a:satMod val="150000"/>
+                <a:shade val="98000"/>
+                <a:lumMod val="102000"/>
+              </a:schemeClr>
+            </a:gs>
+            <a:gs pos="50000">
+              <a:schemeClr val="phClr">
+                <a:tint val="98000"/>
+                <a:satMod val="130000"/>
+                <a:shade val="90000"/>
+                <a:lumMod val="103000"/>
+              </a:schemeClr>
+            </a:gs>
+            <a:gs pos="100000">
+              <a:schemeClr val="phClr">
+                <a:shade val="63000"/>
+                <a:satMod val="120000"/>
+              </a:schemeClr>
+            </a:gs>
+          </a:gsLst>
+          <a:lin ang="5400000" scaled="0"/>
+        </a:gradFill>
+      </a:bgFillStyleLst>
+    </a:fmtScheme>
+  </a:themeElements>
+  <a:extLst>
+    <a:ext uri="{05A4C25C-085E-4340-85A3-A5531E510DB2}">
+      <thm15:themeFamily xmlns:thm15="http://schemas.microsoft.com/office/thememl/2012/main" name="Office Theme" id="{62F939B6-93AF-4DB8-9C6B-D6C7DFDC589F}" vid="{4A3C46E8-61CC-4603-A589-7422A47A8E4A}"/>
     </a:ext>
   </a:extLst>
 </a:theme>
